--- a/Slides/SDHCALReport20170705.pptx
+++ b/Slides/SDHCALReport20170705.pptx
@@ -8,6 +8,11 @@
     <p:sldId id="256" r:id="rId2"/>
     <p:sldId id="257" r:id="rId3"/>
     <p:sldId id="258" r:id="rId4"/>
+    <p:sldId id="259" r:id="rId5"/>
+    <p:sldId id="262" r:id="rId6"/>
+    <p:sldId id="260" r:id="rId7"/>
+    <p:sldId id="261" r:id="rId8"/>
+    <p:sldId id="263" r:id="rId9"/>
   </p:sldIdLst>
   <p:sldSz cx="9144000" cy="6858000" type="screen4x3"/>
   <p:notesSz cx="6858000" cy="9144000"/>
@@ -3926,117 +3931,213 @@
           </a:p>
         </p:txBody>
       </p:sp>
-      <p:sp>
-        <p:nvSpPr>
-          <p:cNvPr id="3" name="内容占位符 2"/>
-          <p:cNvSpPr>
-            <a:spLocks noGrp="1"/>
-          </p:cNvSpPr>
-          <p:nvPr>
-            <p:ph idx="1"/>
-          </p:nvPr>
-        </p:nvSpPr>
-        <p:spPr/>
-        <p:txBody>
-          <a:bodyPr/>
-          <a:lstStyle/>
-          <a:p>
-            <a:r>
-              <a:rPr lang="zh-CN" altLang="en-US" dirty="0" smtClean="0"/>
-              <a:t>使用</a:t>
-            </a:r>
-            <a:r>
-              <a:rPr lang="en-US" altLang="zh-CN" dirty="0" smtClean="0"/>
-              <a:t>5mm</a:t>
-            </a:r>
-            <a:r>
-              <a:rPr lang="zh-CN" altLang="en-US" dirty="0" smtClean="0"/>
-              <a:t>准直孔，间隔一个</a:t>
-            </a:r>
-            <a:r>
-              <a:rPr lang="en-US" altLang="zh-CN" dirty="0" smtClean="0"/>
-              <a:t>Pad</a:t>
-            </a:r>
-            <a:r>
-              <a:rPr lang="zh-CN" altLang="en-US" dirty="0" smtClean="0"/>
-              <a:t>测量</a:t>
-            </a:r>
-            <a:endParaRPr lang="en-US" altLang="zh-CN" dirty="0" smtClean="0"/>
-          </a:p>
-          <a:p>
-            <a:pPr lvl="1"/>
-            <a:r>
-              <a:rPr lang="zh-CN" altLang="en-US" dirty="0" smtClean="0"/>
-              <a:t>中间的</a:t>
-            </a:r>
-            <a:r>
-              <a:rPr lang="en-US" altLang="zh-CN" dirty="0" smtClean="0"/>
-              <a:t>Pad</a:t>
-            </a:r>
-            <a:r>
-              <a:rPr lang="zh-CN" altLang="en-US" dirty="0" smtClean="0"/>
-              <a:t>增益小于周围的</a:t>
-            </a:r>
-            <a:r>
-              <a:rPr lang="en-US" altLang="zh-CN" dirty="0" smtClean="0"/>
-              <a:t>Pad</a:t>
-            </a:r>
-            <a:endParaRPr lang="en-US" altLang="zh-CN" dirty="0"/>
-          </a:p>
-          <a:p>
-            <a:pPr lvl="1"/>
-            <a:r>
-              <a:rPr lang="zh-CN" altLang="en-US" dirty="0" smtClean="0"/>
-              <a:t>统计：</a:t>
-            </a:r>
-            <a:endParaRPr lang="en-US" altLang="zh-CN" dirty="0" smtClean="0"/>
-          </a:p>
-          <a:p>
-            <a:pPr lvl="2"/>
-            <a:r>
-              <a:rPr lang="zh-CN" altLang="en-US" dirty="0" smtClean="0"/>
-              <a:t>平均</a:t>
-            </a:r>
-            <a:r>
-              <a:rPr lang="en-US" altLang="zh-CN" dirty="0" smtClean="0"/>
-              <a:t>328.89fC-&gt;</a:t>
-            </a:r>
-            <a:r>
-              <a:rPr lang="zh-CN" altLang="en-US" dirty="0" smtClean="0"/>
-              <a:t>增益：</a:t>
-            </a:r>
-            <a:r>
-              <a:rPr lang="en-US" altLang="zh-CN" dirty="0" smtClean="0"/>
-              <a:t>6800</a:t>
-            </a:r>
-            <a:endParaRPr lang="zh-CN" altLang="en-US" dirty="0"/>
-          </a:p>
-        </p:txBody>
-      </p:sp>
+      <mc:AlternateContent xmlns:mc="http://schemas.openxmlformats.org/markup-compatibility/2006">
+        <mc:Choice xmlns:a14="http://schemas.microsoft.com/office/drawing/2010/main" Requires="a14">
+          <p:sp>
+            <p:nvSpPr>
+              <p:cNvPr id="3" name="内容占位符 2"/>
+              <p:cNvSpPr>
+                <a:spLocks noGrp="1"/>
+              </p:cNvSpPr>
+              <p:nvPr>
+                <p:ph idx="1"/>
+              </p:nvPr>
+            </p:nvSpPr>
+            <p:spPr/>
+            <p:txBody>
+              <a:bodyPr/>
+              <a:lstStyle/>
+              <a:p>
+                <a:r>
+                  <a:rPr lang="zh-CN" altLang="en-US" dirty="0" smtClean="0"/>
+                  <a:t>使用</a:t>
+                </a:r>
+                <a:r>
+                  <a:rPr lang="en-US" altLang="zh-CN" dirty="0" smtClean="0"/>
+                  <a:t>5mm</a:t>
+                </a:r>
+                <a:r>
+                  <a:rPr lang="zh-CN" altLang="en-US" dirty="0" smtClean="0"/>
+                  <a:t>准直孔，间隔一个</a:t>
+                </a:r>
+                <a:r>
+                  <a:rPr lang="en-US" altLang="zh-CN" dirty="0" smtClean="0"/>
+                  <a:t>Pad</a:t>
+                </a:r>
+                <a:r>
+                  <a:rPr lang="zh-CN" altLang="en-US" dirty="0" smtClean="0"/>
+                  <a:t>测量</a:t>
+                </a:r>
+                <a:endParaRPr lang="en-US" altLang="zh-CN" dirty="0" smtClean="0"/>
+              </a:p>
+              <a:p>
+                <a:pPr lvl="1"/>
+                <a:r>
+                  <a:rPr lang="zh-CN" altLang="en-US" dirty="0" smtClean="0"/>
+                  <a:t>中间的</a:t>
+                </a:r>
+                <a:r>
+                  <a:rPr lang="en-US" altLang="zh-CN" dirty="0" smtClean="0"/>
+                  <a:t>Pad</a:t>
+                </a:r>
+                <a:r>
+                  <a:rPr lang="zh-CN" altLang="en-US" dirty="0" smtClean="0"/>
+                  <a:t>增益小于周围的</a:t>
+                </a:r>
+                <a:r>
+                  <a:rPr lang="en-US" altLang="zh-CN" dirty="0" smtClean="0"/>
+                  <a:t>Pad</a:t>
+                </a:r>
+                <a:endParaRPr lang="en-US" altLang="zh-CN" dirty="0"/>
+              </a:p>
+              <a:p>
+                <a:pPr lvl="1"/>
+                <a:r>
+                  <a:rPr lang="zh-CN" altLang="en-US" dirty="0" smtClean="0"/>
+                  <a:t>统计：</a:t>
+                </a:r>
+                <a:endParaRPr lang="en-US" altLang="zh-CN" dirty="0" smtClean="0"/>
+              </a:p>
+              <a:p>
+                <a:pPr lvl="2"/>
+                <a:r>
+                  <a:rPr lang="zh-CN" altLang="en-US" dirty="0" smtClean="0"/>
+                  <a:t>平均</a:t>
+                </a:r>
+                <a:r>
+                  <a:rPr lang="en-US" altLang="zh-CN" dirty="0" smtClean="0"/>
+                  <a:t>:0.7276V </a:t>
+                </a:r>
+                <a:r>
+                  <a:rPr lang="en-US" altLang="zh-CN" dirty="0" smtClean="0">
+                    <a:sym typeface="Wingdings" panose="05000000000000000000" pitchFamily="2" charset="2"/>
+                  </a:rPr>
+                  <a:t> </a:t>
+                </a:r>
+                <a:r>
+                  <a:rPr lang="en-US" altLang="zh-CN" dirty="0" smtClean="0"/>
+                  <a:t>328.89fC</a:t>
+                </a:r>
+                <a:endParaRPr lang="en-US" altLang="zh-CN" dirty="0"/>
+              </a:p>
+              <a:p>
+                <a:pPr lvl="2"/>
+                <a:r>
+                  <a:rPr lang="zh-CN" altLang="en-US" dirty="0" smtClean="0"/>
+                  <a:t>标准差</a:t>
+                </a:r>
+                <a:r>
+                  <a:rPr lang="en-US" altLang="zh-CN" dirty="0" smtClean="0"/>
+                  <a:t>:0.1483V</a:t>
+                </a:r>
+              </a:p>
+              <a:p>
+                <a:pPr lvl="2"/>
+                <a14:m>
+                  <m:oMath xmlns:m="http://schemas.openxmlformats.org/officeDocument/2006/math">
+                    <m:f>
+                      <m:fPr>
+                        <m:ctrlPr>
+                          <a:rPr lang="en-US" altLang="zh-CN" i="1" smtClean="0">
+                            <a:latin typeface="Cambria Math" panose="02040503050406030204" pitchFamily="18" charset="0"/>
+                          </a:rPr>
+                        </m:ctrlPr>
+                      </m:fPr>
+                      <m:num>
+                        <m:r>
+                          <a:rPr lang="zh-CN" altLang="en-US" i="1">
+                            <a:latin typeface="Cambria Math" panose="02040503050406030204" pitchFamily="18" charset="0"/>
+                          </a:rPr>
+                          <m:t>标准差</m:t>
+                        </m:r>
+                      </m:num>
+                      <m:den>
+                        <m:r>
+                          <a:rPr lang="zh-CN" altLang="en-US" i="1">
+                            <a:latin typeface="Cambria Math" panose="02040503050406030204" pitchFamily="18" charset="0"/>
+                          </a:rPr>
+                          <m:t>均值</m:t>
+                        </m:r>
+                      </m:den>
+                    </m:f>
+                    <m:r>
+                      <a:rPr lang="en-US" altLang="zh-CN" i="1">
+                        <a:latin typeface="Cambria Math" panose="02040503050406030204" pitchFamily="18" charset="0"/>
+                      </a:rPr>
+                      <m:t>=</m:t>
+                    </m:r>
+                  </m:oMath>
+                </a14:m>
+                <a:r>
+                  <a:rPr lang="zh-CN" altLang="en-US" dirty="0" smtClean="0"/>
+                  <a:t> </a:t>
+                </a:r>
+                <a:r>
+                  <a:rPr lang="en-US" altLang="zh-CN" dirty="0" smtClean="0"/>
+                  <a:t>19.02%</a:t>
+                </a:r>
+                <a:endParaRPr lang="zh-CN" altLang="en-US" dirty="0"/>
+              </a:p>
+            </p:txBody>
+          </p:sp>
+        </mc:Choice>
+        <mc:Fallback>
+          <p:sp>
+            <p:nvSpPr>
+              <p:cNvPr id="3" name="内容占位符 2"/>
+              <p:cNvSpPr>
+                <a:spLocks noGrp="1" noRot="1" noChangeAspect="1" noMove="1" noResize="1" noEditPoints="1" noAdjustHandles="1" noChangeArrowheads="1" noChangeShapeType="1" noTextEdit="1"/>
+              </p:cNvSpPr>
+              <p:nvPr>
+                <p:ph idx="1"/>
+              </p:nvPr>
+            </p:nvSpPr>
+            <p:spPr>
+              <a:blipFill rotWithShape="0">
+                <a:blip r:embed="rId2"/>
+                <a:stretch>
+                  <a:fillRect l="-2989" t="-3377"/>
+                </a:stretch>
+              </a:blipFill>
+            </p:spPr>
+            <p:txBody>
+              <a:bodyPr/>
+              <a:lstStyle/>
+              <a:p>
+                <a:r>
+                  <a:rPr lang="zh-CN" altLang="en-US">
+                    <a:noFill/>
+                  </a:rPr>
+                  <a:t> </a:t>
+                </a:r>
+              </a:p>
+            </p:txBody>
+          </p:sp>
+        </mc:Fallback>
+      </mc:AlternateContent>
       <p:pic>
         <p:nvPicPr>
-          <p:cNvPr id="4" name="图片 3"/>
+          <p:cNvPr id="8" name="图片 7"/>
           <p:cNvPicPr>
             <a:picLocks noChangeAspect="1"/>
           </p:cNvPicPr>
           <p:nvPr/>
         </p:nvPicPr>
-        <p:blipFill>
-          <a:blip r:embed="rId2">
+        <p:blipFill rotWithShape="1">
+          <a:blip r:embed="rId3">
             <a:extLst>
               <a:ext uri="{28A0092B-C50C-407E-A947-70E740481C1C}">
                 <a14:useLocalDpi xmlns:a14="http://schemas.microsoft.com/office/drawing/2010/main" val="0"/>
               </a:ext>
             </a:extLst>
           </a:blip>
-          <a:stretch>
-            <a:fillRect/>
-          </a:stretch>
+          <a:srcRect t="6523" r="6814" b="6493"/>
+          <a:stretch/>
         </p:blipFill>
         <p:spPr>
           <a:xfrm>
-            <a:off x="0" y="4566398"/>
-            <a:ext cx="2880000" cy="2160000"/>
+            <a:off x="-21874" y="4465880"/>
+            <a:ext cx="3085354" cy="2160000"/>
           </a:xfrm>
           <a:prstGeom prst="rect">
             <a:avLst/>
@@ -4045,28 +4146,27 @@
       </p:pic>
       <p:pic>
         <p:nvPicPr>
-          <p:cNvPr id="5" name="图片 4"/>
+          <p:cNvPr id="7" name="图片 6"/>
           <p:cNvPicPr>
             <a:picLocks noChangeAspect="1"/>
           </p:cNvPicPr>
           <p:nvPr/>
         </p:nvPicPr>
-        <p:blipFill>
-          <a:blip r:embed="rId3">
+        <p:blipFill rotWithShape="1">
+          <a:blip r:embed="rId4">
             <a:extLst>
               <a:ext uri="{28A0092B-C50C-407E-A947-70E740481C1C}">
                 <a14:useLocalDpi xmlns:a14="http://schemas.microsoft.com/office/drawing/2010/main" val="0"/>
               </a:ext>
             </a:extLst>
           </a:blip>
-          <a:stretch>
-            <a:fillRect/>
-          </a:stretch>
+          <a:srcRect t="6190" r="7143"/>
+          <a:stretch/>
         </p:blipFill>
         <p:spPr>
           <a:xfrm>
-            <a:off x="2493881" y="4566398"/>
-            <a:ext cx="2880000" cy="2160000"/>
+            <a:off x="2639578" y="4465880"/>
+            <a:ext cx="3088324" cy="2340000"/>
           </a:xfrm>
           <a:prstGeom prst="rect">
             <a:avLst/>
@@ -4075,28 +4175,27 @@
       </p:pic>
       <p:pic>
         <p:nvPicPr>
-          <p:cNvPr id="6" name="图片 5"/>
+          <p:cNvPr id="9" name="图片 8"/>
           <p:cNvPicPr>
             <a:picLocks noChangeAspect="1"/>
           </p:cNvPicPr>
           <p:nvPr/>
         </p:nvPicPr>
-        <p:blipFill>
-          <a:blip r:embed="rId4">
+        <p:blipFill rotWithShape="1">
+          <a:blip r:embed="rId5">
             <a:extLst>
               <a:ext uri="{28A0092B-C50C-407E-A947-70E740481C1C}">
                 <a14:useLocalDpi xmlns:a14="http://schemas.microsoft.com/office/drawing/2010/main" val="0"/>
               </a:ext>
             </a:extLst>
           </a:blip>
-          <a:stretch>
-            <a:fillRect/>
-          </a:stretch>
+          <a:srcRect l="6025" t="6560" r="6332"/>
+          <a:stretch/>
         </p:blipFill>
         <p:spPr>
           <a:xfrm>
-            <a:off x="5304000" y="3745880"/>
-            <a:ext cx="3840000" cy="2880000"/>
+            <a:off x="5724932" y="4114800"/>
+            <a:ext cx="3365500" cy="2691080"/>
           </a:xfrm>
           <a:prstGeom prst="rect">
             <a:avLst/>
@@ -4157,7 +4256,15 @@
           <a:p>
             <a:r>
               <a:rPr lang="zh-CN" altLang="en-US" dirty="0" smtClean="0"/>
-              <a:t>探测效率</a:t>
+              <a:t>探测</a:t>
+            </a:r>
+            <a:r>
+              <a:rPr lang="zh-CN" altLang="en-US" dirty="0" smtClean="0"/>
+              <a:t>效率：方案</a:t>
+            </a:r>
+            <a:r>
+              <a:rPr lang="en-US" altLang="zh-CN" dirty="0" smtClean="0"/>
+              <a:t>1</a:t>
             </a:r>
             <a:endParaRPr lang="zh-CN" altLang="en-US" dirty="0"/>
           </a:p>
@@ -4178,10 +4285,110 @@
           <a:bodyPr/>
           <a:lstStyle/>
           <a:p>
+            <a:r>
+              <a:rPr lang="zh-CN" altLang="en-US" dirty="0" smtClean="0"/>
+              <a:t>设定一个阈值，将</a:t>
+            </a:r>
+            <a:r>
+              <a:rPr lang="en-US" altLang="zh-CN" dirty="0" smtClean="0"/>
+              <a:t>Microroc</a:t>
+            </a:r>
+            <a:r>
+              <a:rPr lang="zh-CN" altLang="en-US" dirty="0" smtClean="0"/>
+              <a:t>的比较器输入到</a:t>
+            </a:r>
+            <a:r>
+              <a:rPr lang="en-US" altLang="zh-CN" dirty="0" smtClean="0"/>
+              <a:t>FPGA</a:t>
+            </a:r>
+            <a:r>
+              <a:rPr lang="zh-CN" altLang="en-US" dirty="0" smtClean="0"/>
+              <a:t>计数，同时将触发信号输入到</a:t>
+            </a:r>
+            <a:r>
+              <a:rPr lang="en-US" altLang="zh-CN" dirty="0" smtClean="0"/>
+              <a:t>FPGA</a:t>
+            </a:r>
+            <a:r>
+              <a:rPr lang="zh-CN" altLang="en-US" dirty="0" smtClean="0"/>
+              <a:t>计数</a:t>
+            </a:r>
+            <a:endParaRPr lang="en-US" altLang="zh-CN" dirty="0" smtClean="0"/>
+          </a:p>
+          <a:p>
+            <a:pPr lvl="1"/>
+            <a:endParaRPr lang="en-US" altLang="zh-CN" dirty="0" smtClean="0"/>
+          </a:p>
+          <a:p>
+            <a:pPr lvl="1"/>
+            <a:endParaRPr lang="en-US" altLang="zh-CN" dirty="0"/>
+          </a:p>
+          <a:p>
+            <a:pPr lvl="1"/>
+            <a:endParaRPr lang="en-US" altLang="zh-CN" dirty="0" smtClean="0"/>
+          </a:p>
+          <a:p>
+            <a:pPr lvl="1"/>
+            <a:endParaRPr lang="en-US" altLang="zh-CN" dirty="0"/>
+          </a:p>
+          <a:p>
+            <a:pPr lvl="1"/>
+            <a:r>
+              <a:rPr lang="zh-CN" altLang="en-US" dirty="0" smtClean="0"/>
+              <a:t>通过</a:t>
+            </a:r>
+            <a:r>
+              <a:rPr lang="en-US" altLang="zh-CN" dirty="0" smtClean="0"/>
+              <a:t>FPGA</a:t>
+            </a:r>
+            <a:r>
+              <a:rPr lang="zh-CN" altLang="en-US" dirty="0" smtClean="0"/>
+              <a:t>内部的延迟</a:t>
+            </a:r>
+            <a:r>
+              <a:rPr lang="en-US" altLang="zh-CN" dirty="0" smtClean="0"/>
+              <a:t>(0~400ns)</a:t>
+            </a:r>
+            <a:r>
+              <a:rPr lang="zh-CN" altLang="en-US" dirty="0" smtClean="0"/>
+              <a:t>，即使触发比输入到</a:t>
+            </a:r>
+            <a:r>
+              <a:rPr lang="en-US" altLang="zh-CN" dirty="0" smtClean="0"/>
+              <a:t>Microroc</a:t>
+            </a:r>
+            <a:r>
+              <a:rPr lang="zh-CN" altLang="en-US" dirty="0" smtClean="0"/>
+              <a:t>的信号来得晚，也可以正确计数</a:t>
+            </a:r>
             <a:endParaRPr lang="zh-CN" altLang="en-US" dirty="0"/>
           </a:p>
         </p:txBody>
       </p:sp>
+      <p:pic>
+        <p:nvPicPr>
+          <p:cNvPr id="6" name="图片 5"/>
+          <p:cNvPicPr>
+            <a:picLocks noChangeAspect="1"/>
+          </p:cNvPicPr>
+          <p:nvPr/>
+        </p:nvPicPr>
+        <p:blipFill>
+          <a:blip r:embed="rId2"/>
+          <a:stretch>
+            <a:fillRect/>
+          </a:stretch>
+        </p:blipFill>
+        <p:spPr>
+          <a:xfrm>
+            <a:off x="2539660" y="2297273"/>
+            <a:ext cx="4991957" cy="1954359"/>
+          </a:xfrm>
+          <a:prstGeom prst="rect">
+            <a:avLst/>
+          </a:prstGeom>
+        </p:spPr>
+      </p:pic>
     </p:spTree>
     <p:extLst>
       <p:ext uri="{BB962C8B-B14F-4D97-AF65-F5344CB8AC3E}">
@@ -4199,6 +4406,1421 @@
       </p:par>
     </p:tnLst>
   </p:timing>
+</p:sld>
+</file>
+
+<file path=ppt/slides/slide4.xml><?xml version="1.0" encoding="utf-8"?>
+<p:sld xmlns:a="http://schemas.openxmlformats.org/drawingml/2006/main" xmlns:r="http://schemas.openxmlformats.org/officeDocument/2006/relationships" xmlns:p="http://schemas.openxmlformats.org/presentationml/2006/main">
+  <p:cSld>
+    <p:spTree>
+      <p:nvGrpSpPr>
+        <p:cNvPr id="1" name=""/>
+        <p:cNvGrpSpPr/>
+        <p:nvPr/>
+      </p:nvGrpSpPr>
+      <p:grpSpPr>
+        <a:xfrm>
+          <a:off x="0" y="0"/>
+          <a:ext cx="0" cy="0"/>
+          <a:chOff x="0" y="0"/>
+          <a:chExt cx="0" cy="0"/>
+        </a:xfrm>
+      </p:grpSpPr>
+      <p:sp>
+        <p:nvSpPr>
+          <p:cNvPr id="2" name="标题 1"/>
+          <p:cNvSpPr>
+            <a:spLocks noGrp="1"/>
+          </p:cNvSpPr>
+          <p:nvPr>
+            <p:ph type="title"/>
+          </p:nvPr>
+        </p:nvSpPr>
+        <p:spPr/>
+        <p:txBody>
+          <a:bodyPr/>
+          <a:lstStyle/>
+          <a:p>
+            <a:r>
+              <a:rPr lang="zh-CN" altLang="en-US" dirty="0" smtClean="0"/>
+              <a:t>探测效率</a:t>
+            </a:r>
+            <a:r>
+              <a:rPr lang="en-US" altLang="zh-CN" dirty="0" smtClean="0"/>
+              <a:t>:</a:t>
+            </a:r>
+            <a:r>
+              <a:rPr lang="zh-CN" altLang="en-US" dirty="0" smtClean="0"/>
+              <a:t>方案</a:t>
+            </a:r>
+            <a:r>
+              <a:rPr lang="en-US" altLang="zh-CN" dirty="0" smtClean="0"/>
+              <a:t>1</a:t>
+            </a:r>
+            <a:endParaRPr lang="zh-CN" altLang="en-US" dirty="0"/>
+          </a:p>
+        </p:txBody>
+      </p:sp>
+      <p:sp>
+        <p:nvSpPr>
+          <p:cNvPr id="3" name="内容占位符 2"/>
+          <p:cNvSpPr>
+            <a:spLocks noGrp="1"/>
+          </p:cNvSpPr>
+          <p:nvPr>
+            <p:ph idx="1"/>
+          </p:nvPr>
+        </p:nvSpPr>
+        <p:spPr/>
+        <p:txBody>
+          <a:bodyPr/>
+          <a:lstStyle/>
+          <a:p>
+            <a:endParaRPr lang="en-US" altLang="zh-CN" dirty="0" smtClean="0"/>
+          </a:p>
+          <a:p>
+            <a:r>
+              <a:rPr lang="zh-CN" altLang="en-US" dirty="0" smtClean="0"/>
+              <a:t>闪烁体测试</a:t>
+            </a:r>
+            <a:endParaRPr lang="en-US" altLang="zh-CN" dirty="0" smtClean="0"/>
+          </a:p>
+          <a:p>
+            <a:pPr lvl="1"/>
+            <a:r>
+              <a:rPr lang="zh-CN" altLang="en-US" dirty="0" smtClean="0"/>
+              <a:t>闪烁体和探测器按如图方式摆放</a:t>
+            </a:r>
+            <a:endParaRPr lang="en-US" altLang="zh-CN" dirty="0" smtClean="0"/>
+          </a:p>
+          <a:p>
+            <a:pPr lvl="1"/>
+            <a:r>
+              <a:rPr lang="zh-CN" altLang="en-US" dirty="0" smtClean="0"/>
+              <a:t>闪烁体接到两个比较器，然后输出通过逻辑插件转换成</a:t>
+            </a:r>
+            <a:r>
+              <a:rPr lang="en-US" altLang="zh-CN" dirty="0"/>
+              <a:t>TTL</a:t>
+            </a:r>
+            <a:r>
+              <a:rPr lang="zh-CN" altLang="en-US" dirty="0" smtClean="0"/>
+              <a:t>电平送给</a:t>
+            </a:r>
+            <a:r>
+              <a:rPr lang="en-US" altLang="zh-CN" dirty="0" smtClean="0"/>
+              <a:t>FPGA</a:t>
+            </a:r>
+            <a:r>
+              <a:rPr lang="zh-CN" altLang="en-US" dirty="0" smtClean="0"/>
+              <a:t>作为触发</a:t>
+            </a:r>
+            <a:endParaRPr lang="zh-CN" altLang="en-US" dirty="0"/>
+          </a:p>
+        </p:txBody>
+      </p:sp>
+      <p:grpSp>
+        <p:nvGrpSpPr>
+          <p:cNvPr id="8" name="组合 7"/>
+          <p:cNvGrpSpPr/>
+          <p:nvPr/>
+        </p:nvGrpSpPr>
+        <p:grpSpPr>
+          <a:xfrm>
+            <a:off x="3866604" y="499956"/>
+            <a:ext cx="5277396" cy="1946231"/>
+            <a:chOff x="3457853" y="324385"/>
+            <a:chExt cx="5277396" cy="1946231"/>
+          </a:xfrm>
+        </p:grpSpPr>
+        <p:pic>
+          <p:nvPicPr>
+            <p:cNvPr id="4" name="图片 3"/>
+            <p:cNvPicPr>
+              <a:picLocks noChangeAspect="1"/>
+            </p:cNvPicPr>
+            <p:nvPr/>
+          </p:nvPicPr>
+          <p:blipFill>
+            <a:blip r:embed="rId2"/>
+            <a:stretch>
+              <a:fillRect/>
+            </a:stretch>
+          </p:blipFill>
+          <p:spPr>
+            <a:xfrm>
+              <a:off x="3457853" y="566670"/>
+              <a:ext cx="3574012" cy="1446368"/>
+            </a:xfrm>
+            <a:prstGeom prst="rect">
+              <a:avLst/>
+            </a:prstGeom>
+          </p:spPr>
+        </p:pic>
+        <p:pic>
+          <p:nvPicPr>
+            <p:cNvPr id="5" name="图片 4"/>
+            <p:cNvPicPr>
+              <a:picLocks noChangeAspect="1"/>
+            </p:cNvPicPr>
+            <p:nvPr/>
+          </p:nvPicPr>
+          <p:blipFill>
+            <a:blip r:embed="rId3"/>
+            <a:stretch>
+              <a:fillRect/>
+            </a:stretch>
+          </p:blipFill>
+          <p:spPr>
+            <a:xfrm>
+              <a:off x="7031865" y="731875"/>
+              <a:ext cx="1703384" cy="1538741"/>
+            </a:xfrm>
+            <a:prstGeom prst="rect">
+              <a:avLst/>
+            </a:prstGeom>
+          </p:spPr>
+        </p:pic>
+        <p:sp>
+          <p:nvSpPr>
+            <p:cNvPr id="6" name="文本框 5"/>
+            <p:cNvSpPr txBox="1"/>
+            <p:nvPr/>
+          </p:nvSpPr>
+          <p:spPr>
+            <a:xfrm>
+              <a:off x="4806277" y="324385"/>
+              <a:ext cx="877163" cy="369332"/>
+            </a:xfrm>
+            <a:prstGeom prst="rect">
+              <a:avLst/>
+            </a:prstGeom>
+            <a:noFill/>
+          </p:spPr>
+          <p:txBody>
+            <a:bodyPr wrap="none" rtlCol="0">
+              <a:spAutoFit/>
+            </a:bodyPr>
+            <a:lstStyle/>
+            <a:p>
+              <a:r>
+                <a:rPr lang="zh-CN" altLang="en-US" dirty="0" smtClean="0"/>
+                <a:t>侧视图</a:t>
+              </a:r>
+              <a:endParaRPr lang="zh-CN" altLang="en-US" dirty="0"/>
+            </a:p>
+          </p:txBody>
+        </p:sp>
+        <p:sp>
+          <p:nvSpPr>
+            <p:cNvPr id="7" name="文本框 6"/>
+            <p:cNvSpPr txBox="1"/>
+            <p:nvPr/>
+          </p:nvSpPr>
+          <p:spPr>
+            <a:xfrm>
+              <a:off x="7235260" y="324385"/>
+              <a:ext cx="877163" cy="369332"/>
+            </a:xfrm>
+            <a:prstGeom prst="rect">
+              <a:avLst/>
+            </a:prstGeom>
+            <a:noFill/>
+          </p:spPr>
+          <p:txBody>
+            <a:bodyPr wrap="none" rtlCol="0">
+              <a:spAutoFit/>
+            </a:bodyPr>
+            <a:lstStyle/>
+            <a:p>
+              <a:r>
+                <a:rPr lang="zh-CN" altLang="en-US" dirty="0" smtClean="0"/>
+                <a:t>俯视图</a:t>
+              </a:r>
+              <a:endParaRPr lang="zh-CN" altLang="en-US" dirty="0"/>
+            </a:p>
+          </p:txBody>
+        </p:sp>
+      </p:grpSp>
+      <p:pic>
+        <p:nvPicPr>
+          <p:cNvPr id="9" name="图片 8"/>
+          <p:cNvPicPr>
+            <a:picLocks noChangeAspect="1"/>
+          </p:cNvPicPr>
+          <p:nvPr/>
+        </p:nvPicPr>
+        <p:blipFill rotWithShape="1">
+          <a:blip r:embed="rId4">
+            <a:extLst>
+              <a:ext uri="{28A0092B-C50C-407E-A947-70E740481C1C}">
+                <a14:useLocalDpi xmlns:a14="http://schemas.microsoft.com/office/drawing/2010/main" val="0"/>
+              </a:ext>
+            </a:extLst>
+          </a:blip>
+          <a:srcRect t="17138"/>
+          <a:stretch/>
+        </p:blipFill>
+        <p:spPr>
+          <a:xfrm>
+            <a:off x="3094828" y="3618000"/>
+            <a:ext cx="5718589" cy="3240000"/>
+          </a:xfrm>
+          <a:prstGeom prst="rect">
+            <a:avLst/>
+          </a:prstGeom>
+        </p:spPr>
+      </p:pic>
+      <p:sp>
+        <p:nvSpPr>
+          <p:cNvPr id="10" name="文本框 9"/>
+          <p:cNvSpPr txBox="1"/>
+          <p:nvPr/>
+        </p:nvSpPr>
+        <p:spPr>
+          <a:xfrm>
+            <a:off x="2914650" y="4455643"/>
+            <a:ext cx="1800493" cy="369332"/>
+          </a:xfrm>
+          <a:prstGeom prst="rect">
+            <a:avLst/>
+          </a:prstGeom>
+          <a:noFill/>
+        </p:spPr>
+        <p:txBody>
+          <a:bodyPr wrap="none" rtlCol="0">
+            <a:spAutoFit/>
+          </a:bodyPr>
+          <a:lstStyle/>
+          <a:p>
+            <a:r>
+              <a:rPr lang="zh-CN" altLang="en-US" dirty="0" smtClean="0">
+                <a:solidFill>
+                  <a:srgbClr val="2624E3"/>
+                </a:solidFill>
+              </a:rPr>
+              <a:t>闪烁体过阈信号</a:t>
+            </a:r>
+            <a:endParaRPr lang="zh-CN" altLang="en-US" dirty="0">
+              <a:solidFill>
+                <a:srgbClr val="2624E3"/>
+              </a:solidFill>
+            </a:endParaRPr>
+          </a:p>
+        </p:txBody>
+      </p:sp>
+      <p:cxnSp>
+        <p:nvCxnSpPr>
+          <p:cNvPr id="12" name="直接箭头连接符 11"/>
+          <p:cNvCxnSpPr/>
+          <p:nvPr/>
+        </p:nvCxnSpPr>
+        <p:spPr>
+          <a:xfrm>
+            <a:off x="4391025" y="5405402"/>
+            <a:ext cx="324118" cy="17264"/>
+          </a:xfrm>
+          <a:prstGeom prst="straightConnector1">
+            <a:avLst/>
+          </a:prstGeom>
+          <a:ln>
+            <a:solidFill>
+              <a:srgbClr val="D31A79"/>
+            </a:solidFill>
+            <a:tailEnd type="triangle"/>
+          </a:ln>
+        </p:spPr>
+        <p:style>
+          <a:lnRef idx="1">
+            <a:schemeClr val="accent1"/>
+          </a:lnRef>
+          <a:fillRef idx="0">
+            <a:schemeClr val="accent1"/>
+          </a:fillRef>
+          <a:effectRef idx="0">
+            <a:schemeClr val="accent1"/>
+          </a:effectRef>
+          <a:fontRef idx="minor">
+            <a:schemeClr val="tx1"/>
+          </a:fontRef>
+        </p:style>
+      </p:cxnSp>
+      <p:sp>
+        <p:nvSpPr>
+          <p:cNvPr id="13" name="文本框 12"/>
+          <p:cNvSpPr txBox="1"/>
+          <p:nvPr/>
+        </p:nvSpPr>
+        <p:spPr>
+          <a:xfrm>
+            <a:off x="2681153" y="5238000"/>
+            <a:ext cx="1800493" cy="369332"/>
+          </a:xfrm>
+          <a:prstGeom prst="rect">
+            <a:avLst/>
+          </a:prstGeom>
+          <a:noFill/>
+        </p:spPr>
+        <p:txBody>
+          <a:bodyPr wrap="none" rtlCol="0">
+            <a:spAutoFit/>
+          </a:bodyPr>
+          <a:lstStyle/>
+          <a:p>
+            <a:r>
+              <a:rPr lang="zh-CN" altLang="en-US" dirty="0" smtClean="0">
+                <a:solidFill>
+                  <a:srgbClr val="D31A79"/>
+                </a:solidFill>
+              </a:rPr>
+              <a:t>闪烁体过阈信号</a:t>
+            </a:r>
+            <a:endParaRPr lang="zh-CN" altLang="en-US" dirty="0">
+              <a:solidFill>
+                <a:srgbClr val="D31A79"/>
+              </a:solidFill>
+            </a:endParaRPr>
+          </a:p>
+        </p:txBody>
+      </p:sp>
+      <p:sp>
+        <p:nvSpPr>
+          <p:cNvPr id="15" name="文本框 14"/>
+          <p:cNvSpPr txBox="1"/>
+          <p:nvPr/>
+        </p:nvSpPr>
+        <p:spPr>
+          <a:xfrm>
+            <a:off x="6315194" y="4086311"/>
+            <a:ext cx="1433341" cy="369332"/>
+          </a:xfrm>
+          <a:prstGeom prst="rect">
+            <a:avLst/>
+          </a:prstGeom>
+          <a:noFill/>
+        </p:spPr>
+        <p:txBody>
+          <a:bodyPr wrap="none" rtlCol="0">
+            <a:spAutoFit/>
+          </a:bodyPr>
+          <a:lstStyle/>
+          <a:p>
+            <a:r>
+              <a:rPr lang="en-US" altLang="zh-CN" dirty="0" smtClean="0">
+                <a:solidFill>
+                  <a:srgbClr val="00B050"/>
+                </a:solidFill>
+              </a:rPr>
+              <a:t>TTL</a:t>
+            </a:r>
+            <a:r>
+              <a:rPr lang="zh-CN" altLang="en-US" dirty="0" smtClean="0">
+                <a:solidFill>
+                  <a:srgbClr val="00B050"/>
+                </a:solidFill>
+              </a:rPr>
+              <a:t>触发信号</a:t>
+            </a:r>
+            <a:endParaRPr lang="zh-CN" altLang="en-US" dirty="0">
+              <a:solidFill>
+                <a:srgbClr val="00B050"/>
+              </a:solidFill>
+            </a:endParaRPr>
+          </a:p>
+        </p:txBody>
+      </p:sp>
+      <p:cxnSp>
+        <p:nvCxnSpPr>
+          <p:cNvPr id="17" name="直接箭头连接符 16"/>
+          <p:cNvCxnSpPr/>
+          <p:nvPr/>
+        </p:nvCxnSpPr>
+        <p:spPr>
+          <a:xfrm flipH="1" flipV="1">
+            <a:off x="5824281" y="4257675"/>
+            <a:ext cx="462219" cy="19050"/>
+          </a:xfrm>
+          <a:prstGeom prst="straightConnector1">
+            <a:avLst/>
+          </a:prstGeom>
+          <a:ln>
+            <a:solidFill>
+              <a:srgbClr val="56E853"/>
+            </a:solidFill>
+            <a:tailEnd type="triangle"/>
+          </a:ln>
+        </p:spPr>
+        <p:style>
+          <a:lnRef idx="1">
+            <a:schemeClr val="accent1"/>
+          </a:lnRef>
+          <a:fillRef idx="0">
+            <a:schemeClr val="accent1"/>
+          </a:fillRef>
+          <a:effectRef idx="0">
+            <a:schemeClr val="accent1"/>
+          </a:effectRef>
+          <a:fontRef idx="minor">
+            <a:schemeClr val="tx1"/>
+          </a:fontRef>
+        </p:style>
+      </p:cxnSp>
+      <p:cxnSp>
+        <p:nvCxnSpPr>
+          <p:cNvPr id="21" name="直接箭头连接符 20"/>
+          <p:cNvCxnSpPr/>
+          <p:nvPr/>
+        </p:nvCxnSpPr>
+        <p:spPr>
+          <a:xfrm>
+            <a:off x="4715143" y="3910013"/>
+            <a:ext cx="904607" cy="0"/>
+          </a:xfrm>
+          <a:prstGeom prst="straightConnector1">
+            <a:avLst/>
+          </a:prstGeom>
+          <a:ln>
+            <a:solidFill>
+              <a:schemeClr val="tx1"/>
+            </a:solidFill>
+            <a:headEnd type="triangle"/>
+            <a:tailEnd type="triangle"/>
+          </a:ln>
+        </p:spPr>
+        <p:style>
+          <a:lnRef idx="1">
+            <a:schemeClr val="accent1"/>
+          </a:lnRef>
+          <a:fillRef idx="0">
+            <a:schemeClr val="accent1"/>
+          </a:fillRef>
+          <a:effectRef idx="0">
+            <a:schemeClr val="accent1"/>
+          </a:effectRef>
+          <a:fontRef idx="minor">
+            <a:schemeClr val="tx1"/>
+          </a:fontRef>
+        </p:style>
+      </p:cxnSp>
+      <p:sp>
+        <p:nvSpPr>
+          <p:cNvPr id="23" name="文本框 22"/>
+          <p:cNvSpPr txBox="1"/>
+          <p:nvPr/>
+        </p:nvSpPr>
+        <p:spPr>
+          <a:xfrm>
+            <a:off x="4825491" y="3910099"/>
+            <a:ext cx="630301" cy="369332"/>
+          </a:xfrm>
+          <a:prstGeom prst="rect">
+            <a:avLst/>
+          </a:prstGeom>
+          <a:noFill/>
+        </p:spPr>
+        <p:txBody>
+          <a:bodyPr wrap="none" rtlCol="0">
+            <a:spAutoFit/>
+          </a:bodyPr>
+          <a:lstStyle/>
+          <a:p>
+            <a:r>
+              <a:rPr lang="en-US" altLang="zh-CN" dirty="0" smtClean="0"/>
+              <a:t>30ns</a:t>
+            </a:r>
+            <a:endParaRPr lang="zh-CN" altLang="en-US" dirty="0"/>
+          </a:p>
+        </p:txBody>
+      </p:sp>
+    </p:spTree>
+    <p:extLst>
+      <p:ext uri="{BB962C8B-B14F-4D97-AF65-F5344CB8AC3E}">
+        <p14:creationId xmlns:p14="http://schemas.microsoft.com/office/powerpoint/2010/main" val="2844017973"/>
+      </p:ext>
+    </p:extLst>
+  </p:cSld>
+  <p:clrMapOvr>
+    <a:masterClrMapping/>
+  </p:clrMapOvr>
+</p:sld>
+</file>
+
+<file path=ppt/slides/slide5.xml><?xml version="1.0" encoding="utf-8"?>
+<p:sld xmlns:a="http://schemas.openxmlformats.org/drawingml/2006/main" xmlns:r="http://schemas.openxmlformats.org/officeDocument/2006/relationships" xmlns:p="http://schemas.openxmlformats.org/presentationml/2006/main">
+  <p:cSld>
+    <p:spTree>
+      <p:nvGrpSpPr>
+        <p:cNvPr id="1" name=""/>
+        <p:cNvGrpSpPr/>
+        <p:nvPr/>
+      </p:nvGrpSpPr>
+      <p:grpSpPr>
+        <a:xfrm>
+          <a:off x="0" y="0"/>
+          <a:ext cx="0" cy="0"/>
+          <a:chOff x="0" y="0"/>
+          <a:chExt cx="0" cy="0"/>
+        </a:xfrm>
+      </p:grpSpPr>
+      <p:sp>
+        <p:nvSpPr>
+          <p:cNvPr id="2" name="标题 1"/>
+          <p:cNvSpPr>
+            <a:spLocks noGrp="1"/>
+          </p:cNvSpPr>
+          <p:nvPr>
+            <p:ph type="title"/>
+          </p:nvPr>
+        </p:nvSpPr>
+        <p:spPr/>
+        <p:txBody>
+          <a:bodyPr/>
+          <a:lstStyle/>
+          <a:p>
+            <a:r>
+              <a:rPr lang="zh-CN" altLang="en-US" dirty="0" smtClean="0"/>
+              <a:t>结果</a:t>
+            </a:r>
+            <a:endParaRPr lang="zh-CN" altLang="en-US" dirty="0"/>
+          </a:p>
+        </p:txBody>
+      </p:sp>
+      <mc:AlternateContent xmlns:mc="http://schemas.openxmlformats.org/markup-compatibility/2006">
+        <mc:Choice xmlns:a14="http://schemas.microsoft.com/office/drawing/2010/main" Requires="a14">
+          <p:sp>
+            <p:nvSpPr>
+              <p:cNvPr id="3" name="内容占位符 2"/>
+              <p:cNvSpPr>
+                <a:spLocks noGrp="1"/>
+              </p:cNvSpPr>
+              <p:nvPr>
+                <p:ph idx="1"/>
+              </p:nvPr>
+            </p:nvSpPr>
+            <p:spPr/>
+            <p:txBody>
+              <a:bodyPr/>
+              <a:lstStyle/>
+              <a:p>
+                <a:r>
+                  <a:rPr lang="zh-CN" altLang="en-US" dirty="0" smtClean="0"/>
+                  <a:t>电子学：</a:t>
+                </a:r>
+                <a:endParaRPr lang="en-US" altLang="zh-CN" dirty="0" smtClean="0"/>
+              </a:p>
+              <a:p>
+                <a:pPr lvl="1"/>
+                <a:r>
+                  <a:rPr lang="zh-CN" altLang="en-US" dirty="0" smtClean="0"/>
+                  <a:t>即使触发信号比电荷输入信号晚</a:t>
+                </a:r>
+                <a:r>
+                  <a:rPr lang="en-US" altLang="zh-CN" dirty="0" smtClean="0"/>
+                  <a:t>300ns</a:t>
+                </a:r>
+                <a:r>
+                  <a:rPr lang="zh-CN" altLang="en-US" dirty="0" smtClean="0"/>
+                  <a:t>，也可以正确计数</a:t>
+                </a:r>
+                <a:endParaRPr lang="en-US" altLang="zh-CN" dirty="0" smtClean="0"/>
+              </a:p>
+              <a:p>
+                <a:r>
+                  <a:rPr lang="zh-CN" altLang="en-US" dirty="0" smtClean="0"/>
+                  <a:t>探测器</a:t>
+                </a:r>
+                <a:endParaRPr lang="en-US" altLang="zh-CN" dirty="0" smtClean="0"/>
+              </a:p>
+              <a:p>
+                <a:pPr lvl="1"/>
+                <a:r>
+                  <a:rPr lang="en-US" altLang="zh-CN" dirty="0" smtClean="0"/>
+                  <a:t>Microroc</a:t>
+                </a:r>
+                <a:r>
+                  <a:rPr lang="zh-CN" altLang="en-US" dirty="0" smtClean="0"/>
+                  <a:t>设置</a:t>
+                </a:r>
+                <a:r>
+                  <a:rPr lang="en-US" altLang="zh-CN" dirty="0" smtClean="0"/>
+                  <a:t>5fC</a:t>
+                </a:r>
+                <a:r>
+                  <a:rPr lang="zh-CN" altLang="en-US" dirty="0" smtClean="0"/>
+                  <a:t>的阈，</a:t>
+                </a:r>
+                <a14:m>
+                  <m:oMath xmlns:m="http://schemas.openxmlformats.org/officeDocument/2006/math">
+                    <m:f>
+                      <m:fPr>
+                        <m:ctrlPr>
+                          <a:rPr lang="en-US" altLang="zh-CN" i="1" smtClean="0">
+                            <a:latin typeface="Cambria Math" panose="02040503050406030204" pitchFamily="18" charset="0"/>
+                          </a:rPr>
+                        </m:ctrlPr>
+                      </m:fPr>
+                      <m:num>
+                        <m:r>
+                          <a:rPr lang="zh-CN" altLang="en-US" i="1">
+                            <a:latin typeface="Cambria Math" panose="02040503050406030204" pitchFamily="18" charset="0"/>
+                          </a:rPr>
+                          <m:t>比较器</m:t>
+                        </m:r>
+                        <m:r>
+                          <a:rPr lang="zh-CN" altLang="en-US" i="1" smtClean="0">
+                            <a:latin typeface="Cambria Math" panose="02040503050406030204" pitchFamily="18" charset="0"/>
+                          </a:rPr>
+                          <m:t>输出</m:t>
+                        </m:r>
+                      </m:num>
+                      <m:den>
+                        <m:r>
+                          <a:rPr lang="zh-CN" altLang="en-US" i="1">
+                            <a:latin typeface="Cambria Math" panose="02040503050406030204" pitchFamily="18" charset="0"/>
+                          </a:rPr>
+                          <m:t>总的</m:t>
+                        </m:r>
+                        <m:r>
+                          <a:rPr lang="zh-CN" altLang="en-US" i="1" smtClean="0">
+                            <a:latin typeface="Cambria Math" panose="02040503050406030204" pitchFamily="18" charset="0"/>
+                          </a:rPr>
+                          <m:t>触发数</m:t>
+                        </m:r>
+                      </m:den>
+                    </m:f>
+                    <m:r>
+                      <a:rPr lang="en-US" altLang="zh-CN" i="1" smtClean="0">
+                        <a:latin typeface="Cambria Math" panose="02040503050406030204" pitchFamily="18" charset="0"/>
+                        <a:ea typeface="Cambria Math" panose="02040503050406030204" pitchFamily="18" charset="0"/>
+                      </a:rPr>
+                      <m:t>≈</m:t>
+                    </m:r>
+                    <m:r>
+                      <a:rPr lang="en-US" altLang="zh-CN" b="0" i="1" smtClean="0">
+                        <a:latin typeface="Cambria Math" panose="02040503050406030204" pitchFamily="18" charset="0"/>
+                        <a:ea typeface="Cambria Math" panose="02040503050406030204" pitchFamily="18" charset="0"/>
+                      </a:rPr>
+                      <m:t>60</m:t>
+                    </m:r>
+                    <m:r>
+                      <a:rPr lang="en-US" altLang="zh-CN" i="1">
+                        <a:latin typeface="Cambria Math" panose="02040503050406030204" pitchFamily="18" charset="0"/>
+                        <a:ea typeface="Cambria Math" panose="02040503050406030204" pitchFamily="18" charset="0"/>
+                      </a:rPr>
+                      <m:t>%</m:t>
+                    </m:r>
+                  </m:oMath>
+                </a14:m>
+                <a:endParaRPr lang="zh-CN" altLang="en-US" dirty="0"/>
+              </a:p>
+            </p:txBody>
+          </p:sp>
+        </mc:Choice>
+        <mc:Fallback>
+          <p:sp>
+            <p:nvSpPr>
+              <p:cNvPr id="3" name="内容占位符 2"/>
+              <p:cNvSpPr>
+                <a:spLocks noGrp="1" noRot="1" noChangeAspect="1" noMove="1" noResize="1" noEditPoints="1" noAdjustHandles="1" noChangeArrowheads="1" noChangeShapeType="1" noTextEdit="1"/>
+              </p:cNvSpPr>
+              <p:nvPr>
+                <p:ph idx="1"/>
+              </p:nvPr>
+            </p:nvSpPr>
+            <p:spPr>
+              <a:blipFill rotWithShape="0">
+                <a:blip r:embed="rId2"/>
+                <a:stretch>
+                  <a:fillRect l="-2989" t="-3377"/>
+                </a:stretch>
+              </a:blipFill>
+            </p:spPr>
+            <p:txBody>
+              <a:bodyPr/>
+              <a:lstStyle/>
+              <a:p>
+                <a:r>
+                  <a:rPr lang="zh-CN" altLang="en-US">
+                    <a:noFill/>
+                  </a:rPr>
+                  <a:t> </a:t>
+                </a:r>
+              </a:p>
+            </p:txBody>
+          </p:sp>
+        </mc:Fallback>
+      </mc:AlternateContent>
+    </p:spTree>
+    <p:extLst>
+      <p:ext uri="{BB962C8B-B14F-4D97-AF65-F5344CB8AC3E}">
+        <p14:creationId xmlns:p14="http://schemas.microsoft.com/office/powerpoint/2010/main" val="3728158368"/>
+      </p:ext>
+    </p:extLst>
+  </p:cSld>
+  <p:clrMapOvr>
+    <a:masterClrMapping/>
+  </p:clrMapOvr>
+</p:sld>
+</file>
+
+<file path=ppt/slides/slide6.xml><?xml version="1.0" encoding="utf-8"?>
+<p:sld xmlns:a="http://schemas.openxmlformats.org/drawingml/2006/main" xmlns:r="http://schemas.openxmlformats.org/officeDocument/2006/relationships" xmlns:p="http://schemas.openxmlformats.org/presentationml/2006/main">
+  <p:cSld>
+    <p:spTree>
+      <p:nvGrpSpPr>
+        <p:cNvPr id="1" name=""/>
+        <p:cNvGrpSpPr/>
+        <p:nvPr/>
+      </p:nvGrpSpPr>
+      <p:grpSpPr>
+        <a:xfrm>
+          <a:off x="0" y="0"/>
+          <a:ext cx="0" cy="0"/>
+          <a:chOff x="0" y="0"/>
+          <a:chExt cx="0" cy="0"/>
+        </a:xfrm>
+      </p:grpSpPr>
+      <p:sp>
+        <p:nvSpPr>
+          <p:cNvPr id="2" name="标题 1"/>
+          <p:cNvSpPr>
+            <a:spLocks noGrp="1"/>
+          </p:cNvSpPr>
+          <p:nvPr>
+            <p:ph type="title"/>
+          </p:nvPr>
+        </p:nvSpPr>
+        <p:spPr/>
+        <p:txBody>
+          <a:bodyPr/>
+          <a:lstStyle/>
+          <a:p>
+            <a:r>
+              <a:rPr lang="zh-CN" altLang="en-US" dirty="0" smtClean="0"/>
+              <a:t>探测效率：方案</a:t>
+            </a:r>
+            <a:r>
+              <a:rPr lang="en-US" altLang="zh-CN" dirty="0" smtClean="0"/>
+              <a:t>2</a:t>
+            </a:r>
+            <a:endParaRPr lang="zh-CN" altLang="en-US" dirty="0"/>
+          </a:p>
+        </p:txBody>
+      </p:sp>
+      <p:sp>
+        <p:nvSpPr>
+          <p:cNvPr id="3" name="内容占位符 2"/>
+          <p:cNvSpPr>
+            <a:spLocks noGrp="1"/>
+          </p:cNvSpPr>
+          <p:nvPr>
+            <p:ph idx="1"/>
+          </p:nvPr>
+        </p:nvSpPr>
+        <p:spPr/>
+        <p:txBody>
+          <a:bodyPr/>
+          <a:lstStyle/>
+          <a:p>
+            <a:r>
+              <a:rPr lang="zh-CN" altLang="en-US" dirty="0" smtClean="0"/>
+              <a:t>使用</a:t>
+            </a:r>
+            <a:r>
+              <a:rPr lang="en-US" altLang="zh-CN" dirty="0" smtClean="0"/>
+              <a:t>Microroc</a:t>
+            </a:r>
+            <a:r>
+              <a:rPr lang="zh-CN" altLang="en-US" dirty="0" smtClean="0"/>
+              <a:t>的采数功能，触发信号到来的时候开始采数</a:t>
+            </a:r>
+            <a:endParaRPr lang="en-US" altLang="zh-CN" dirty="0" smtClean="0"/>
+          </a:p>
+          <a:p>
+            <a:pPr lvl="1"/>
+            <a:r>
+              <a:rPr lang="zh-CN" altLang="en-US" dirty="0" smtClean="0"/>
+              <a:t>统计总计数和采回数据包个数，分析触发率，同时可以得到宇宙线击中位置</a:t>
+            </a:r>
+            <a:endParaRPr lang="zh-CN" altLang="en-US" dirty="0"/>
+          </a:p>
+        </p:txBody>
+      </p:sp>
+      <p:pic>
+        <p:nvPicPr>
+          <p:cNvPr id="4" name="图片 3"/>
+          <p:cNvPicPr>
+            <a:picLocks noChangeAspect="1"/>
+          </p:cNvPicPr>
+          <p:nvPr/>
+        </p:nvPicPr>
+        <p:blipFill>
+          <a:blip r:embed="rId2"/>
+          <a:stretch>
+            <a:fillRect/>
+          </a:stretch>
+        </p:blipFill>
+        <p:spPr>
+          <a:xfrm>
+            <a:off x="1371152" y="3187668"/>
+            <a:ext cx="5820465" cy="2111585"/>
+          </a:xfrm>
+          <a:prstGeom prst="rect">
+            <a:avLst/>
+          </a:prstGeom>
+        </p:spPr>
+      </p:pic>
+    </p:spTree>
+    <p:extLst>
+      <p:ext uri="{BB962C8B-B14F-4D97-AF65-F5344CB8AC3E}">
+        <p14:creationId xmlns:p14="http://schemas.microsoft.com/office/powerpoint/2010/main" val="2790100280"/>
+      </p:ext>
+    </p:extLst>
+  </p:cSld>
+  <p:clrMapOvr>
+    <a:masterClrMapping/>
+  </p:clrMapOvr>
+</p:sld>
+</file>
+
+<file path=ppt/slides/slide7.xml><?xml version="1.0" encoding="utf-8"?>
+<p:sld xmlns:a="http://schemas.openxmlformats.org/drawingml/2006/main" xmlns:r="http://schemas.openxmlformats.org/officeDocument/2006/relationships" xmlns:p="http://schemas.openxmlformats.org/presentationml/2006/main">
+  <p:cSld>
+    <p:spTree>
+      <p:nvGrpSpPr>
+        <p:cNvPr id="1" name=""/>
+        <p:cNvGrpSpPr/>
+        <p:nvPr/>
+      </p:nvGrpSpPr>
+      <p:grpSpPr>
+        <a:xfrm>
+          <a:off x="0" y="0"/>
+          <a:ext cx="0" cy="0"/>
+          <a:chOff x="0" y="0"/>
+          <a:chExt cx="0" cy="0"/>
+        </a:xfrm>
+      </p:grpSpPr>
+      <p:sp>
+        <p:nvSpPr>
+          <p:cNvPr id="2" name="标题 1"/>
+          <p:cNvSpPr>
+            <a:spLocks noGrp="1"/>
+          </p:cNvSpPr>
+          <p:nvPr>
+            <p:ph type="title"/>
+          </p:nvPr>
+        </p:nvSpPr>
+        <p:spPr/>
+        <p:txBody>
+          <a:bodyPr/>
+          <a:lstStyle/>
+          <a:p>
+            <a:r>
+              <a:rPr lang="zh-CN" altLang="en-US" dirty="0"/>
+              <a:t>探测效率：方案</a:t>
+            </a:r>
+            <a:r>
+              <a:rPr lang="en-US" altLang="zh-CN" dirty="0"/>
+              <a:t>2</a:t>
+            </a:r>
+            <a:endParaRPr lang="zh-CN" altLang="en-US" dirty="0"/>
+          </a:p>
+        </p:txBody>
+      </p:sp>
+      <p:sp>
+        <p:nvSpPr>
+          <p:cNvPr id="3" name="内容占位符 2"/>
+          <p:cNvSpPr>
+            <a:spLocks noGrp="1"/>
+          </p:cNvSpPr>
+          <p:nvPr>
+            <p:ph idx="1"/>
+          </p:nvPr>
+        </p:nvSpPr>
+        <p:spPr/>
+        <p:txBody>
+          <a:bodyPr/>
+          <a:lstStyle/>
+          <a:p>
+            <a:r>
+              <a:rPr lang="zh-CN" altLang="en-US" dirty="0" smtClean="0"/>
+              <a:t>触发信号到开始采集信号之间延迟为</a:t>
+            </a:r>
+            <a:r>
+              <a:rPr lang="en-US" altLang="zh-CN" dirty="0" smtClean="0"/>
+              <a:t>22ns</a:t>
+            </a:r>
+          </a:p>
+          <a:p>
+            <a:endParaRPr lang="en-US" altLang="zh-CN" dirty="0"/>
+          </a:p>
+          <a:p>
+            <a:endParaRPr lang="en-US" altLang="zh-CN" dirty="0" smtClean="0"/>
+          </a:p>
+          <a:p>
+            <a:endParaRPr lang="en-US" altLang="zh-CN" dirty="0"/>
+          </a:p>
+          <a:p>
+            <a:endParaRPr lang="en-US" altLang="zh-CN" dirty="0" smtClean="0"/>
+          </a:p>
+          <a:p>
+            <a:endParaRPr lang="en-US" altLang="zh-CN" dirty="0"/>
+          </a:p>
+          <a:p>
+            <a:r>
+              <a:rPr lang="zh-CN" altLang="en-US" dirty="0" smtClean="0"/>
+              <a:t>测量得到的探测效率</a:t>
+            </a:r>
+            <a:r>
+              <a:rPr lang="en-US" altLang="zh-CN" dirty="0" smtClean="0"/>
+              <a:t>50%~70%</a:t>
+            </a:r>
+            <a:endParaRPr lang="zh-CN" altLang="en-US" dirty="0"/>
+          </a:p>
+        </p:txBody>
+      </p:sp>
+      <p:grpSp>
+        <p:nvGrpSpPr>
+          <p:cNvPr id="18" name="组合 17"/>
+          <p:cNvGrpSpPr/>
+          <p:nvPr/>
+        </p:nvGrpSpPr>
+        <p:grpSpPr>
+          <a:xfrm>
+            <a:off x="2159169" y="1809911"/>
+            <a:ext cx="5267791" cy="3424666"/>
+            <a:chOff x="3098969" y="3337578"/>
+            <a:chExt cx="5267791" cy="3424666"/>
+          </a:xfrm>
+        </p:grpSpPr>
+        <p:pic>
+          <p:nvPicPr>
+            <p:cNvPr id="4" name="图片 3"/>
+            <p:cNvPicPr>
+              <a:picLocks noChangeAspect="1"/>
+            </p:cNvPicPr>
+            <p:nvPr/>
+          </p:nvPicPr>
+          <p:blipFill rotWithShape="1">
+            <a:blip r:embed="rId2">
+              <a:extLst>
+                <a:ext uri="{28A0092B-C50C-407E-A947-70E740481C1C}">
+                  <a14:useLocalDpi xmlns:a14="http://schemas.microsoft.com/office/drawing/2010/main" val="0"/>
+                </a:ext>
+              </a:extLst>
+            </a:blip>
+            <a:srcRect l="32171"/>
+            <a:stretch/>
+          </p:blipFill>
+          <p:spPr>
+            <a:xfrm>
+              <a:off x="3098969" y="3522244"/>
+              <a:ext cx="5267791" cy="3240000"/>
+            </a:xfrm>
+            <a:prstGeom prst="rect">
+              <a:avLst/>
+            </a:prstGeom>
+          </p:spPr>
+        </p:pic>
+        <p:sp>
+          <p:nvSpPr>
+            <p:cNvPr id="5" name="文本框 4"/>
+            <p:cNvSpPr txBox="1"/>
+            <p:nvPr/>
+          </p:nvSpPr>
+          <p:spPr>
+            <a:xfrm>
+              <a:off x="3098969" y="4430333"/>
+              <a:ext cx="1107996" cy="369332"/>
+            </a:xfrm>
+            <a:prstGeom prst="rect">
+              <a:avLst/>
+            </a:prstGeom>
+            <a:noFill/>
+          </p:spPr>
+          <p:txBody>
+            <a:bodyPr wrap="none" rtlCol="0">
+              <a:spAutoFit/>
+            </a:bodyPr>
+            <a:lstStyle/>
+            <a:p>
+              <a:r>
+                <a:rPr lang="zh-CN" altLang="en-US" dirty="0" smtClean="0"/>
+                <a:t>触发信号</a:t>
+              </a:r>
+              <a:endParaRPr lang="zh-CN" altLang="en-US" dirty="0"/>
+            </a:p>
+          </p:txBody>
+        </p:sp>
+        <p:cxnSp>
+          <p:nvCxnSpPr>
+            <p:cNvPr id="7" name="直接箭头连接符 6"/>
+            <p:cNvCxnSpPr/>
+            <p:nvPr/>
+          </p:nvCxnSpPr>
+          <p:spPr>
+            <a:xfrm flipH="1">
+              <a:off x="5756275" y="4044590"/>
+              <a:ext cx="761419" cy="263885"/>
+            </a:xfrm>
+            <a:prstGeom prst="straightConnector1">
+              <a:avLst/>
+            </a:prstGeom>
+            <a:ln>
+              <a:solidFill>
+                <a:schemeClr val="tx1"/>
+              </a:solidFill>
+              <a:tailEnd type="triangle"/>
+            </a:ln>
+          </p:spPr>
+          <p:style>
+            <a:lnRef idx="1">
+              <a:schemeClr val="accent1"/>
+            </a:lnRef>
+            <a:fillRef idx="0">
+              <a:schemeClr val="accent1"/>
+            </a:fillRef>
+            <a:effectRef idx="0">
+              <a:schemeClr val="accent1"/>
+            </a:effectRef>
+            <a:fontRef idx="minor">
+              <a:schemeClr val="tx1"/>
+            </a:fontRef>
+          </p:style>
+        </p:cxnSp>
+        <p:sp>
+          <p:nvSpPr>
+            <p:cNvPr id="8" name="文本框 7"/>
+            <p:cNvSpPr txBox="1"/>
+            <p:nvPr/>
+          </p:nvSpPr>
+          <p:spPr>
+            <a:xfrm>
+              <a:off x="5732864" y="3683357"/>
+              <a:ext cx="1569660" cy="369332"/>
+            </a:xfrm>
+            <a:prstGeom prst="rect">
+              <a:avLst/>
+            </a:prstGeom>
+            <a:noFill/>
+          </p:spPr>
+          <p:txBody>
+            <a:bodyPr wrap="none" rtlCol="0">
+              <a:spAutoFit/>
+            </a:bodyPr>
+            <a:lstStyle/>
+            <a:p>
+              <a:r>
+                <a:rPr lang="zh-CN" altLang="en-US" dirty="0" smtClean="0"/>
+                <a:t>开始采集信号</a:t>
+              </a:r>
+              <a:endParaRPr lang="zh-CN" altLang="en-US" dirty="0"/>
+            </a:p>
+          </p:txBody>
+        </p:sp>
+        <p:cxnSp>
+          <p:nvCxnSpPr>
+            <p:cNvPr id="13" name="直接箭头连接符 12"/>
+            <p:cNvCxnSpPr/>
+            <p:nvPr/>
+          </p:nvCxnSpPr>
+          <p:spPr>
+            <a:xfrm>
+              <a:off x="4495800" y="3629025"/>
+              <a:ext cx="833438" cy="0"/>
+            </a:xfrm>
+            <a:prstGeom prst="straightConnector1">
+              <a:avLst/>
+            </a:prstGeom>
+            <a:ln>
+              <a:solidFill>
+                <a:schemeClr val="tx1"/>
+              </a:solidFill>
+              <a:headEnd type="triangle"/>
+              <a:tailEnd type="triangle"/>
+            </a:ln>
+          </p:spPr>
+          <p:style>
+            <a:lnRef idx="1">
+              <a:schemeClr val="accent1"/>
+            </a:lnRef>
+            <a:fillRef idx="0">
+              <a:schemeClr val="accent1"/>
+            </a:fillRef>
+            <a:effectRef idx="0">
+              <a:schemeClr val="accent1"/>
+            </a:effectRef>
+            <a:fontRef idx="minor">
+              <a:schemeClr val="tx1"/>
+            </a:fontRef>
+          </p:style>
+        </p:cxnSp>
+        <p:sp>
+          <p:nvSpPr>
+            <p:cNvPr id="14" name="文本框 13"/>
+            <p:cNvSpPr txBox="1"/>
+            <p:nvPr/>
+          </p:nvSpPr>
+          <p:spPr>
+            <a:xfrm>
+              <a:off x="4597368" y="3337578"/>
+              <a:ext cx="630301" cy="369332"/>
+            </a:xfrm>
+            <a:prstGeom prst="rect">
+              <a:avLst/>
+            </a:prstGeom>
+            <a:noFill/>
+          </p:spPr>
+          <p:txBody>
+            <a:bodyPr wrap="none" rtlCol="0">
+              <a:spAutoFit/>
+            </a:bodyPr>
+            <a:lstStyle/>
+            <a:p>
+              <a:r>
+                <a:rPr lang="en-US" altLang="zh-CN" dirty="0" smtClean="0"/>
+                <a:t>22ns</a:t>
+              </a:r>
+              <a:endParaRPr lang="zh-CN" altLang="en-US" dirty="0"/>
+            </a:p>
+          </p:txBody>
+        </p:sp>
+        <p:cxnSp>
+          <p:nvCxnSpPr>
+            <p:cNvPr id="16" name="直接箭头连接符 15"/>
+            <p:cNvCxnSpPr/>
+            <p:nvPr/>
+          </p:nvCxnSpPr>
+          <p:spPr>
+            <a:xfrm>
+              <a:off x="5329238" y="4893469"/>
+              <a:ext cx="254793" cy="0"/>
+            </a:xfrm>
+            <a:prstGeom prst="straightConnector1">
+              <a:avLst/>
+            </a:prstGeom>
+            <a:ln>
+              <a:solidFill>
+                <a:schemeClr val="tx1"/>
+              </a:solidFill>
+              <a:headEnd type="triangle"/>
+              <a:tailEnd type="triangle"/>
+            </a:ln>
+          </p:spPr>
+          <p:style>
+            <a:lnRef idx="1">
+              <a:schemeClr val="accent1"/>
+            </a:lnRef>
+            <a:fillRef idx="0">
+              <a:schemeClr val="accent1"/>
+            </a:fillRef>
+            <a:effectRef idx="0">
+              <a:schemeClr val="accent1"/>
+            </a:effectRef>
+            <a:fontRef idx="minor">
+              <a:schemeClr val="tx1"/>
+            </a:fontRef>
+          </p:style>
+        </p:cxnSp>
+        <p:sp>
+          <p:nvSpPr>
+            <p:cNvPr id="17" name="文本框 16"/>
+            <p:cNvSpPr txBox="1"/>
+            <p:nvPr/>
+          </p:nvSpPr>
+          <p:spPr>
+            <a:xfrm>
+              <a:off x="5456634" y="4799665"/>
+              <a:ext cx="688009" cy="369332"/>
+            </a:xfrm>
+            <a:prstGeom prst="rect">
+              <a:avLst/>
+            </a:prstGeom>
+            <a:noFill/>
+          </p:spPr>
+          <p:txBody>
+            <a:bodyPr wrap="none" rtlCol="0">
+              <a:spAutoFit/>
+            </a:bodyPr>
+            <a:lstStyle/>
+            <a:p>
+              <a:r>
+                <a:rPr lang="en-US" altLang="zh-CN" dirty="0" smtClean="0"/>
+                <a:t>6.2ns</a:t>
+              </a:r>
+              <a:endParaRPr lang="zh-CN" altLang="en-US" dirty="0"/>
+            </a:p>
+          </p:txBody>
+        </p:sp>
+      </p:grpSp>
+    </p:spTree>
+    <p:extLst>
+      <p:ext uri="{BB962C8B-B14F-4D97-AF65-F5344CB8AC3E}">
+        <p14:creationId xmlns:p14="http://schemas.microsoft.com/office/powerpoint/2010/main" val="1912186679"/>
+      </p:ext>
+    </p:extLst>
+  </p:cSld>
+  <p:clrMapOvr>
+    <a:masterClrMapping/>
+  </p:clrMapOvr>
+</p:sld>
+</file>
+
+<file path=ppt/slides/slide8.xml><?xml version="1.0" encoding="utf-8"?>
+<p:sld xmlns:a="http://schemas.openxmlformats.org/drawingml/2006/main" xmlns:r="http://schemas.openxmlformats.org/officeDocument/2006/relationships" xmlns:p="http://schemas.openxmlformats.org/presentationml/2006/main">
+  <p:cSld>
+    <p:spTree>
+      <p:nvGrpSpPr>
+        <p:cNvPr id="1" name=""/>
+        <p:cNvGrpSpPr/>
+        <p:nvPr/>
+      </p:nvGrpSpPr>
+      <p:grpSpPr>
+        <a:xfrm>
+          <a:off x="0" y="0"/>
+          <a:ext cx="0" cy="0"/>
+          <a:chOff x="0" y="0"/>
+          <a:chExt cx="0" cy="0"/>
+        </a:xfrm>
+      </p:grpSpPr>
+      <p:sp>
+        <p:nvSpPr>
+          <p:cNvPr id="2" name="标题 1"/>
+          <p:cNvSpPr>
+            <a:spLocks noGrp="1"/>
+          </p:cNvSpPr>
+          <p:nvPr>
+            <p:ph type="title"/>
+          </p:nvPr>
+        </p:nvSpPr>
+        <p:spPr/>
+        <p:txBody>
+          <a:bodyPr/>
+          <a:lstStyle/>
+          <a:p>
+            <a:r>
+              <a:rPr lang="zh-CN" altLang="en-US" dirty="0"/>
+              <a:t>分析</a:t>
+            </a:r>
+          </a:p>
+        </p:txBody>
+      </p:sp>
+      <p:sp>
+        <p:nvSpPr>
+          <p:cNvPr id="3" name="内容占位符 2"/>
+          <p:cNvSpPr>
+            <a:spLocks noGrp="1"/>
+          </p:cNvSpPr>
+          <p:nvPr>
+            <p:ph idx="1"/>
+          </p:nvPr>
+        </p:nvSpPr>
+        <p:spPr>
+          <a:xfrm>
+            <a:off x="822959" y="1175395"/>
+            <a:ext cx="7543801" cy="5427139"/>
+          </a:xfrm>
+        </p:spPr>
+        <p:txBody>
+          <a:bodyPr/>
+          <a:lstStyle/>
+          <a:p>
+            <a:r>
+              <a:rPr lang="zh-CN" altLang="en-US" dirty="0" smtClean="0"/>
+              <a:t>从电子学测试来看，只要在触发来的时候有信号输入，就能够被记录下来</a:t>
+            </a:r>
+            <a:endParaRPr lang="en-US" altLang="zh-CN" dirty="0" smtClean="0"/>
+          </a:p>
+          <a:p>
+            <a:r>
+              <a:rPr lang="zh-CN" altLang="en-US" dirty="0" smtClean="0"/>
+              <a:t>即使错开，闪烁体还是太大</a:t>
+            </a:r>
+            <a:endParaRPr lang="en-US" altLang="zh-CN" dirty="0" smtClean="0"/>
+          </a:p>
+          <a:p>
+            <a:pPr lvl="1"/>
+            <a:r>
+              <a:rPr lang="zh-CN" altLang="en-US" dirty="0" smtClean="0"/>
+              <a:t>可能存在穿过了闪烁体而没有穿过</a:t>
+            </a:r>
+            <a:r>
+              <a:rPr lang="en-US" altLang="zh-CN" dirty="0" smtClean="0"/>
+              <a:t>GEM</a:t>
+            </a:r>
+            <a:r>
+              <a:rPr lang="zh-CN" altLang="en-US" dirty="0" smtClean="0"/>
+              <a:t>的事例</a:t>
+            </a:r>
+            <a:endParaRPr lang="en-US" altLang="zh-CN" dirty="0" smtClean="0"/>
+          </a:p>
+          <a:p>
+            <a:pPr lvl="1"/>
+            <a:endParaRPr lang="en-US" altLang="zh-CN" dirty="0" smtClean="0"/>
+          </a:p>
+          <a:p>
+            <a:pPr lvl="1"/>
+            <a:r>
+              <a:rPr lang="zh-CN" altLang="en-US" dirty="0" smtClean="0"/>
+              <a:t>有没有小一点的闪烁体？</a:t>
+            </a:r>
+            <a:endParaRPr lang="en-US" altLang="zh-CN" dirty="0" smtClean="0"/>
+          </a:p>
+          <a:p>
+            <a:pPr lvl="1"/>
+            <a:r>
+              <a:rPr lang="zh-CN" altLang="en-US" dirty="0" smtClean="0"/>
+              <a:t>如果没有小一点的闪烁体可不可以通过计算的办法将探测效率修正回去</a:t>
+            </a:r>
+            <a:endParaRPr lang="en-US" altLang="zh-CN" dirty="0" smtClean="0"/>
+          </a:p>
+          <a:p>
+            <a:pPr lvl="1"/>
+            <a:endParaRPr lang="en-US" altLang="zh-CN" dirty="0" smtClean="0"/>
+          </a:p>
+          <a:p>
+            <a:pPr lvl="1"/>
+            <a:endParaRPr lang="en-US" altLang="zh-CN" dirty="0" smtClean="0"/>
+          </a:p>
+          <a:p>
+            <a:endParaRPr lang="zh-CN" altLang="en-US" dirty="0"/>
+          </a:p>
+        </p:txBody>
+      </p:sp>
+      <p:pic>
+        <p:nvPicPr>
+          <p:cNvPr id="4" name="图片 3"/>
+          <p:cNvPicPr>
+            <a:picLocks noChangeAspect="1"/>
+          </p:cNvPicPr>
+          <p:nvPr/>
+        </p:nvPicPr>
+        <p:blipFill>
+          <a:blip r:embed="rId2"/>
+          <a:stretch>
+            <a:fillRect/>
+          </a:stretch>
+        </p:blipFill>
+        <p:spPr>
+          <a:xfrm>
+            <a:off x="5928189" y="4833204"/>
+            <a:ext cx="3215811" cy="1769330"/>
+          </a:xfrm>
+          <a:prstGeom prst="rect">
+            <a:avLst/>
+          </a:prstGeom>
+        </p:spPr>
+      </p:pic>
+    </p:spTree>
+    <p:extLst>
+      <p:ext uri="{BB962C8B-B14F-4D97-AF65-F5344CB8AC3E}">
+        <p14:creationId xmlns:p14="http://schemas.microsoft.com/office/powerpoint/2010/main" val="432751243"/>
+      </p:ext>
+    </p:extLst>
+  </p:cSld>
+  <p:clrMapOvr>
+    <a:masterClrMapping/>
+  </p:clrMapOvr>
 </p:sld>
 </file>
 

--- a/Slides/SDHCALReport20170705.pptx
+++ b/Slides/SDHCALReport20170705.pptx
@@ -3908,6 +3908,35 @@
           <a:chExt cx="0" cy="0"/>
         </a:xfrm>
       </p:grpSpPr>
+      <p:pic>
+        <p:nvPicPr>
+          <p:cNvPr id="7" name="图片 6"/>
+          <p:cNvPicPr>
+            <a:picLocks noChangeAspect="1"/>
+          </p:cNvPicPr>
+          <p:nvPr/>
+        </p:nvPicPr>
+        <p:blipFill rotWithShape="1">
+          <a:blip r:embed="rId2">
+            <a:extLst>
+              <a:ext uri="{28A0092B-C50C-407E-A947-70E740481C1C}">
+                <a14:useLocalDpi xmlns:a14="http://schemas.microsoft.com/office/drawing/2010/main" val="0"/>
+              </a:ext>
+            </a:extLst>
+          </a:blip>
+          <a:srcRect t="6190" r="7143"/>
+          <a:stretch/>
+        </p:blipFill>
+        <p:spPr>
+          <a:xfrm>
+            <a:off x="5578234" y="1818000"/>
+            <a:ext cx="3325887" cy="2520000"/>
+          </a:xfrm>
+          <a:prstGeom prst="rect">
+            <a:avLst/>
+          </a:prstGeom>
+        </p:spPr>
+      </p:pic>
       <p:sp>
         <p:nvSpPr>
           <p:cNvPr id="2" name="标题 1"/>
@@ -3931,190 +3960,65 @@
           </a:p>
         </p:txBody>
       </p:sp>
-      <mc:AlternateContent xmlns:mc="http://schemas.openxmlformats.org/markup-compatibility/2006">
-        <mc:Choice xmlns:a14="http://schemas.microsoft.com/office/drawing/2010/main" Requires="a14">
-          <p:sp>
-            <p:nvSpPr>
-              <p:cNvPr id="3" name="内容占位符 2"/>
-              <p:cNvSpPr>
-                <a:spLocks noGrp="1"/>
-              </p:cNvSpPr>
-              <p:nvPr>
-                <p:ph idx="1"/>
-              </p:nvPr>
-            </p:nvSpPr>
-            <p:spPr/>
-            <p:txBody>
-              <a:bodyPr/>
-              <a:lstStyle/>
-              <a:p>
-                <a:r>
-                  <a:rPr lang="zh-CN" altLang="en-US" dirty="0" smtClean="0"/>
-                  <a:t>使用</a:t>
-                </a:r>
-                <a:r>
-                  <a:rPr lang="en-US" altLang="zh-CN" dirty="0" smtClean="0"/>
-                  <a:t>5mm</a:t>
-                </a:r>
-                <a:r>
-                  <a:rPr lang="zh-CN" altLang="en-US" dirty="0" smtClean="0"/>
-                  <a:t>准直孔，间隔一个</a:t>
-                </a:r>
-                <a:r>
-                  <a:rPr lang="en-US" altLang="zh-CN" dirty="0" smtClean="0"/>
-                  <a:t>Pad</a:t>
-                </a:r>
-                <a:r>
-                  <a:rPr lang="zh-CN" altLang="en-US" dirty="0" smtClean="0"/>
-                  <a:t>测量</a:t>
-                </a:r>
-                <a:endParaRPr lang="en-US" altLang="zh-CN" dirty="0" smtClean="0"/>
-              </a:p>
-              <a:p>
-                <a:pPr lvl="1"/>
-                <a:r>
-                  <a:rPr lang="zh-CN" altLang="en-US" dirty="0" smtClean="0"/>
-                  <a:t>中间的</a:t>
-                </a:r>
-                <a:r>
-                  <a:rPr lang="en-US" altLang="zh-CN" dirty="0" smtClean="0"/>
-                  <a:t>Pad</a:t>
-                </a:r>
-                <a:r>
-                  <a:rPr lang="zh-CN" altLang="en-US" dirty="0" smtClean="0"/>
-                  <a:t>增益小于周围的</a:t>
-                </a:r>
-                <a:r>
-                  <a:rPr lang="en-US" altLang="zh-CN" dirty="0" smtClean="0"/>
-                  <a:t>Pad</a:t>
-                </a:r>
-                <a:endParaRPr lang="en-US" altLang="zh-CN" dirty="0"/>
-              </a:p>
-              <a:p>
-                <a:pPr lvl="1"/>
-                <a:r>
-                  <a:rPr lang="zh-CN" altLang="en-US" dirty="0" smtClean="0"/>
-                  <a:t>统计：</a:t>
-                </a:r>
-                <a:endParaRPr lang="en-US" altLang="zh-CN" dirty="0" smtClean="0"/>
-              </a:p>
-              <a:p>
-                <a:pPr lvl="2"/>
-                <a:r>
-                  <a:rPr lang="zh-CN" altLang="en-US" dirty="0" smtClean="0"/>
-                  <a:t>平均</a:t>
-                </a:r>
-                <a:r>
-                  <a:rPr lang="en-US" altLang="zh-CN" dirty="0" smtClean="0"/>
-                  <a:t>:0.7276V </a:t>
-                </a:r>
-                <a:r>
-                  <a:rPr lang="en-US" altLang="zh-CN" dirty="0" smtClean="0">
-                    <a:sym typeface="Wingdings" panose="05000000000000000000" pitchFamily="2" charset="2"/>
-                  </a:rPr>
-                  <a:t> </a:t>
-                </a:r>
-                <a:r>
-                  <a:rPr lang="en-US" altLang="zh-CN" dirty="0" smtClean="0"/>
-                  <a:t>328.89fC</a:t>
-                </a:r>
-                <a:endParaRPr lang="en-US" altLang="zh-CN" dirty="0"/>
-              </a:p>
-              <a:p>
-                <a:pPr lvl="2"/>
-                <a:r>
-                  <a:rPr lang="zh-CN" altLang="en-US" dirty="0" smtClean="0"/>
-                  <a:t>标准差</a:t>
-                </a:r>
-                <a:r>
-                  <a:rPr lang="en-US" altLang="zh-CN" dirty="0" smtClean="0"/>
-                  <a:t>:0.1483V</a:t>
-                </a:r>
-              </a:p>
-              <a:p>
-                <a:pPr lvl="2"/>
-                <a14:m>
-                  <m:oMath xmlns:m="http://schemas.openxmlformats.org/officeDocument/2006/math">
-                    <m:f>
-                      <m:fPr>
-                        <m:ctrlPr>
-                          <a:rPr lang="en-US" altLang="zh-CN" i="1" smtClean="0">
-                            <a:latin typeface="Cambria Math" panose="02040503050406030204" pitchFamily="18" charset="0"/>
-                          </a:rPr>
-                        </m:ctrlPr>
-                      </m:fPr>
-                      <m:num>
-                        <m:r>
-                          <a:rPr lang="zh-CN" altLang="en-US" i="1">
-                            <a:latin typeface="Cambria Math" panose="02040503050406030204" pitchFamily="18" charset="0"/>
-                          </a:rPr>
-                          <m:t>标准差</m:t>
-                        </m:r>
-                      </m:num>
-                      <m:den>
-                        <m:r>
-                          <a:rPr lang="zh-CN" altLang="en-US" i="1">
-                            <a:latin typeface="Cambria Math" panose="02040503050406030204" pitchFamily="18" charset="0"/>
-                          </a:rPr>
-                          <m:t>均值</m:t>
-                        </m:r>
-                      </m:den>
-                    </m:f>
-                    <m:r>
-                      <a:rPr lang="en-US" altLang="zh-CN" i="1">
-                        <a:latin typeface="Cambria Math" panose="02040503050406030204" pitchFamily="18" charset="0"/>
-                      </a:rPr>
-                      <m:t>=</m:t>
-                    </m:r>
-                  </m:oMath>
-                </a14:m>
-                <a:r>
-                  <a:rPr lang="zh-CN" altLang="en-US" dirty="0" smtClean="0"/>
-                  <a:t> </a:t>
-                </a:r>
-                <a:r>
-                  <a:rPr lang="en-US" altLang="zh-CN" dirty="0" smtClean="0"/>
-                  <a:t>19.02%</a:t>
-                </a:r>
-                <a:endParaRPr lang="zh-CN" altLang="en-US" dirty="0"/>
-              </a:p>
-            </p:txBody>
-          </p:sp>
-        </mc:Choice>
-        <mc:Fallback>
-          <p:sp>
-            <p:nvSpPr>
-              <p:cNvPr id="3" name="内容占位符 2"/>
-              <p:cNvSpPr>
-                <a:spLocks noGrp="1" noRot="1" noChangeAspect="1" noMove="1" noResize="1" noEditPoints="1" noAdjustHandles="1" noChangeArrowheads="1" noChangeShapeType="1" noTextEdit="1"/>
-              </p:cNvSpPr>
-              <p:nvPr>
-                <p:ph idx="1"/>
-              </p:nvPr>
-            </p:nvSpPr>
-            <p:spPr>
-              <a:blipFill rotWithShape="0">
-                <a:blip r:embed="rId2"/>
-                <a:stretch>
-                  <a:fillRect l="-2989" t="-3377"/>
-                </a:stretch>
-              </a:blipFill>
-            </p:spPr>
-            <p:txBody>
-              <a:bodyPr/>
-              <a:lstStyle/>
-              <a:p>
-                <a:r>
-                  <a:rPr lang="zh-CN" altLang="en-US">
-                    <a:noFill/>
-                  </a:rPr>
-                  <a:t> </a:t>
-                </a:r>
-              </a:p>
-            </p:txBody>
-          </p:sp>
-        </mc:Fallback>
-      </mc:AlternateContent>
+      <p:sp>
+        <p:nvSpPr>
+          <p:cNvPr id="3" name="内容占位符 2"/>
+          <p:cNvSpPr>
+            <a:spLocks noGrp="1"/>
+          </p:cNvSpPr>
+          <p:nvPr>
+            <p:ph idx="1"/>
+          </p:nvPr>
+        </p:nvSpPr>
+        <p:spPr/>
+        <p:txBody>
+          <a:bodyPr/>
+          <a:lstStyle/>
+          <a:p>
+            <a:r>
+              <a:rPr lang="zh-CN" altLang="en-US" dirty="0" smtClean="0"/>
+              <a:t>使用</a:t>
+            </a:r>
+            <a:r>
+              <a:rPr lang="en-US" altLang="zh-CN" dirty="0" smtClean="0"/>
+              <a:t>5mm</a:t>
+            </a:r>
+            <a:r>
+              <a:rPr lang="zh-CN" altLang="en-US" dirty="0" smtClean="0"/>
+              <a:t>准直孔，间隔一个</a:t>
+            </a:r>
+            <a:r>
+              <a:rPr lang="en-US" altLang="zh-CN" dirty="0" smtClean="0"/>
+              <a:t>Pad</a:t>
+            </a:r>
+            <a:r>
+              <a:rPr lang="zh-CN" altLang="en-US" dirty="0" smtClean="0"/>
+              <a:t>测量</a:t>
+            </a:r>
+            <a:endParaRPr lang="en-US" altLang="zh-CN" dirty="0" smtClean="0"/>
+          </a:p>
+          <a:p>
+            <a:pPr lvl="1"/>
+            <a:r>
+              <a:rPr lang="zh-CN" altLang="en-US" dirty="0" smtClean="0"/>
+              <a:t>中间的</a:t>
+            </a:r>
+            <a:r>
+              <a:rPr lang="en-US" altLang="zh-CN" dirty="0" smtClean="0"/>
+              <a:t>Pad</a:t>
+            </a:r>
+            <a:r>
+              <a:rPr lang="zh-CN" altLang="en-US" dirty="0" smtClean="0"/>
+              <a:t>增益小于周围的</a:t>
+            </a:r>
+            <a:r>
+              <a:rPr lang="en-US" altLang="zh-CN" dirty="0" smtClean="0"/>
+              <a:t>Pad</a:t>
+            </a:r>
+            <a:endParaRPr lang="en-US" altLang="zh-CN" dirty="0"/>
+          </a:p>
+        </p:txBody>
+      </p:sp>
       <p:pic>
         <p:nvPicPr>
           <p:cNvPr id="8" name="图片 7"/>
@@ -4136,8 +4040,8 @@
         </p:blipFill>
         <p:spPr>
           <a:xfrm>
-            <a:off x="-21874" y="4465880"/>
-            <a:ext cx="3085354" cy="2160000"/>
+            <a:off x="5441388" y="4338000"/>
+            <a:ext cx="3599580" cy="2520000"/>
           </a:xfrm>
           <a:prstGeom prst="rect">
             <a:avLst/>
@@ -4146,56 +4050,27 @@
       </p:pic>
       <p:pic>
         <p:nvPicPr>
-          <p:cNvPr id="7" name="图片 6"/>
+          <p:cNvPr id="10" name="图片 9"/>
           <p:cNvPicPr>
             <a:picLocks noChangeAspect="1"/>
           </p:cNvPicPr>
           <p:nvPr/>
         </p:nvPicPr>
         <p:blipFill rotWithShape="1">
-          <a:blip r:embed="rId4">
+          <a:blip r:embed="rId4" cstate="print">
             <a:extLst>
               <a:ext uri="{28A0092B-C50C-407E-A947-70E740481C1C}">
                 <a14:useLocalDpi xmlns:a14="http://schemas.microsoft.com/office/drawing/2010/main" val="0"/>
               </a:ext>
             </a:extLst>
           </a:blip>
-          <a:srcRect t="6190" r="7143"/>
+          <a:srcRect r="8480"/>
           <a:stretch/>
         </p:blipFill>
         <p:spPr>
           <a:xfrm>
-            <a:off x="2639578" y="4465880"/>
-            <a:ext cx="3088324" cy="2340000"/>
-          </a:xfrm>
-          <a:prstGeom prst="rect">
-            <a:avLst/>
-          </a:prstGeom>
-        </p:spPr>
-      </p:pic>
-      <p:pic>
-        <p:nvPicPr>
-          <p:cNvPr id="9" name="图片 8"/>
-          <p:cNvPicPr>
-            <a:picLocks noChangeAspect="1"/>
-          </p:cNvPicPr>
-          <p:nvPr/>
-        </p:nvPicPr>
-        <p:blipFill rotWithShape="1">
-          <a:blip r:embed="rId5">
-            <a:extLst>
-              <a:ext uri="{28A0092B-C50C-407E-A947-70E740481C1C}">
-                <a14:useLocalDpi xmlns:a14="http://schemas.microsoft.com/office/drawing/2010/main" val="0"/>
-              </a:ext>
-            </a:extLst>
-          </a:blip>
-          <a:srcRect l="6025" t="6560" r="6332"/>
-          <a:stretch/>
-        </p:blipFill>
-        <p:spPr>
-          <a:xfrm>
-            <a:off x="5724932" y="4114800"/>
-            <a:ext cx="3365500" cy="2691080"/>
+            <a:off x="45719" y="2818970"/>
+            <a:ext cx="3958794" cy="3240000"/>
           </a:xfrm>
           <a:prstGeom prst="rect">
             <a:avLst/>
@@ -4256,11 +4131,7 @@
           <a:p>
             <a:r>
               <a:rPr lang="zh-CN" altLang="en-US" dirty="0" smtClean="0"/>
-              <a:t>探测</a:t>
-            </a:r>
-            <a:r>
-              <a:rPr lang="zh-CN" altLang="en-US" dirty="0" smtClean="0"/>
-              <a:t>效率：方案</a:t>
+              <a:t>探测效率：方案</a:t>
             </a:r>
             <a:r>
               <a:rPr lang="en-US" altLang="zh-CN" dirty="0" smtClean="0"/>
@@ -4985,8 +4856,8 @@
           </a:p>
         </p:txBody>
       </p:sp>
-      <mc:AlternateContent xmlns:mc="http://schemas.openxmlformats.org/markup-compatibility/2006">
-        <mc:Choice xmlns:a14="http://schemas.microsoft.com/office/drawing/2010/main" Requires="a14">
+      <mc:AlternateContent xmlns:mc="http://schemas.openxmlformats.org/markup-compatibility/2006" xmlns:a14="http://schemas.microsoft.com/office/drawing/2010/main">
+        <mc:Choice Requires="a14">
           <p:sp>
             <p:nvSpPr>
               <p:cNvPr id="3" name="内容占位符 2"/>
@@ -5116,7 +4987,7 @@
             </p:txBody>
           </p:sp>
         </mc:Choice>
-        <mc:Fallback>
+        <mc:Fallback xmlns="">
           <p:sp>
             <p:nvSpPr>
               <p:cNvPr id="3" name="内容占位符 2"/>
@@ -5727,14 +5598,26 @@
           <a:p>
             <a:r>
               <a:rPr lang="zh-CN" altLang="en-US" dirty="0" smtClean="0"/>
-              <a:t>从电子学测试来看，只要在触发来的时候有信号输入，就能够被记录下来</a:t>
+              <a:t>只要</a:t>
+            </a:r>
+            <a:r>
+              <a:rPr lang="zh-CN" altLang="en-US" dirty="0" smtClean="0"/>
+              <a:t>在触发来的时候有信号输入，就能够被记录下来</a:t>
             </a:r>
             <a:endParaRPr lang="en-US" altLang="zh-CN" dirty="0" smtClean="0"/>
           </a:p>
           <a:p>
             <a:r>
               <a:rPr lang="zh-CN" altLang="en-US" dirty="0" smtClean="0"/>
-              <a:t>即使错开，闪烁体还是太大</a:t>
+              <a:t>即使错开，闪烁体还是</a:t>
+            </a:r>
+            <a:r>
+              <a:rPr lang="zh-CN" altLang="en-US" smtClean="0"/>
+              <a:t>太</a:t>
+            </a:r>
+            <a:r>
+              <a:rPr lang="zh-CN" altLang="en-US" smtClean="0"/>
+              <a:t>大</a:t>
             </a:r>
             <a:endParaRPr lang="en-US" altLang="zh-CN" dirty="0" smtClean="0"/>
           </a:p>
@@ -5770,7 +5653,15 @@
             <a:pPr lvl="1"/>
             <a:r>
               <a:rPr lang="zh-CN" altLang="en-US" dirty="0" smtClean="0"/>
-              <a:t>如果没有小一点的闪烁体可不可以通过计算的办法将探测效率修正回去</a:t>
+              <a:t>如果没有小一点的</a:t>
+            </a:r>
+            <a:r>
+              <a:rPr lang="zh-CN" altLang="en-US" dirty="0" smtClean="0"/>
+              <a:t>闪烁体，可不可以</a:t>
+            </a:r>
+            <a:r>
+              <a:rPr lang="zh-CN" altLang="en-US" dirty="0" smtClean="0"/>
+              <a:t>通过计算的办法将探测效率修正回去</a:t>
             </a:r>
             <a:endParaRPr lang="en-US" altLang="zh-CN" dirty="0" smtClean="0"/>
           </a:p>

--- a/Slides/SDHCALReport20170705.pptx
+++ b/Slides/SDHCALReport20170705.pptx
@@ -13,6 +13,7 @@
     <p:sldId id="260" r:id="rId7"/>
     <p:sldId id="261" r:id="rId8"/>
     <p:sldId id="263" r:id="rId9"/>
+    <p:sldId id="264" r:id="rId10"/>
   </p:sldIdLst>
   <p:sldSz cx="9144000" cy="6858000" type="screen4x3"/>
   <p:notesSz cx="6858000" cy="9144000"/>
@@ -319,7 +320,7 @@
             <a:fld id="{4BDF68E2-58F2-4D09-BE8B-E3BD06533059}" type="datetimeFigureOut">
               <a:rPr lang="en-US" smtClean="0"/>
               <a:pPr/>
-              <a:t>7/4/2017</a:t>
+              <a:t>7/5/2017</a:t>
             </a:fld>
             <a:endParaRPr lang="en-US" dirty="0"/>
           </a:p>
@@ -544,7 +545,7 @@
           <a:p>
             <a:fld id="{2E2D6473-DF6D-4702-B328-E0DD40540A4E}" type="datetimeFigureOut">
               <a:rPr lang="en-US" smtClean="0"/>
-              <a:t>7/4/2017</a:t>
+              <a:t>7/5/2017</a:t>
             </a:fld>
             <a:endParaRPr lang="en-US" dirty="0"/>
           </a:p>
@@ -800,7 +801,7 @@
           <a:p>
             <a:fld id="{E26F7E3A-B166-407D-9866-32884E7D5B37}" type="datetimeFigureOut">
               <a:rPr lang="en-US" smtClean="0"/>
-              <a:t>7/4/2017</a:t>
+              <a:t>7/5/2017</a:t>
             </a:fld>
             <a:endParaRPr lang="en-US" dirty="0"/>
           </a:p>
@@ -1008,7 +1009,7 @@
           <a:p>
             <a:fld id="{528FC5F6-F338-4AE4-BB23-26385BCFC423}" type="datetimeFigureOut">
               <a:rPr lang="en-US" smtClean="0"/>
-              <a:t>7/4/2017</a:t>
+              <a:t>7/5/2017</a:t>
             </a:fld>
             <a:endParaRPr lang="en-US" dirty="0"/>
           </a:p>
@@ -1351,7 +1352,7 @@
           <a:p>
             <a:fld id="{20EBB0C4-6273-4C6E-B9BD-2EDC30F1CD52}" type="datetimeFigureOut">
               <a:rPr lang="en-US" smtClean="0"/>
-              <a:t>7/4/2017</a:t>
+              <a:t>7/5/2017</a:t>
             </a:fld>
             <a:endParaRPr lang="en-US" dirty="0"/>
           </a:p>
@@ -1626,7 +1627,7 @@
           <a:p>
             <a:fld id="{19AB4D41-86C1-4908-B66A-0B50CEB3BF29}" type="datetimeFigureOut">
               <a:rPr lang="en-US" smtClean="0"/>
-              <a:t>7/4/2017</a:t>
+              <a:t>7/5/2017</a:t>
             </a:fld>
             <a:endParaRPr lang="en-US" dirty="0"/>
           </a:p>
@@ -2005,7 +2006,7 @@
           <a:p>
             <a:fld id="{E6426E2C-56C1-4E0D-A793-0088A7FDD37E}" type="datetimeFigureOut">
               <a:rPr lang="en-US" smtClean="0"/>
-              <a:t>7/4/2017</a:t>
+              <a:t>7/5/2017</a:t>
             </a:fld>
             <a:endParaRPr lang="en-US" dirty="0"/>
           </a:p>
@@ -2123,7 +2124,7 @@
           <a:p>
             <a:fld id="{C8C39B41-D8B5-4052-B551-9B5525EAA8B6}" type="datetimeFigureOut">
               <a:rPr lang="en-US" smtClean="0"/>
-              <a:t>7/4/2017</a:t>
+              <a:t>7/5/2017</a:t>
             </a:fld>
             <a:endParaRPr lang="en-US" dirty="0"/>
           </a:p>
@@ -2294,7 +2295,7 @@
           <a:p>
             <a:fld id="{4D94136C-8742-45B2-AF27-D93DF72833A9}" type="datetimeFigureOut">
               <a:rPr lang="en-US" smtClean="0"/>
-              <a:t>7/4/2017</a:t>
+              <a:t>7/5/2017</a:t>
             </a:fld>
             <a:endParaRPr lang="en-US" dirty="0"/>
           </a:p>
@@ -2649,7 +2650,7 @@
           <a:p>
             <a:fld id="{32ABBEA6-7C60-4B02-AE87-00D78D8422AF}" type="datetimeFigureOut">
               <a:rPr lang="en-US" smtClean="0"/>
-              <a:t>7/4/2017</a:t>
+              <a:t>7/5/2017</a:t>
             </a:fld>
             <a:endParaRPr lang="en-US" dirty="0"/>
           </a:p>
@@ -3032,7 +3033,7 @@
           <a:p>
             <a:fld id="{C9CAD897-D46E-4AD2-BD9B-49DD3E640873}" type="datetimeFigureOut">
               <a:rPr lang="en-US" smtClean="0"/>
-              <a:t>7/4/2017</a:t>
+              <a:t>7/5/2017</a:t>
             </a:fld>
             <a:endParaRPr lang="en-US" dirty="0"/>
           </a:p>
@@ -3282,7 +3283,7 @@
             <a:fld id="{98624D31-43A5-475A-80CF-332C9F6DCF35}" type="datetimeFigureOut">
               <a:rPr lang="en-US" smtClean="0"/>
               <a:pPr/>
-              <a:t>7/4/2017</a:t>
+              <a:t>7/5/2017</a:t>
             </a:fld>
             <a:endParaRPr lang="en-US" dirty="0"/>
           </a:p>
@@ -4008,8 +4009,16 @@
               <a:t>Pad</a:t>
             </a:r>
             <a:r>
+              <a:rPr lang="zh-CN" altLang="en-US" dirty="0"/>
+              <a:t>峰位</a:t>
+            </a:r>
+            <a:r>
               <a:rPr lang="zh-CN" altLang="en-US" dirty="0" smtClean="0"/>
-              <a:t>增益小于周围的</a:t>
+              <a:t>小于</a:t>
+            </a:r>
+            <a:r>
+              <a:rPr lang="zh-CN" altLang="en-US" dirty="0" smtClean="0"/>
+              <a:t>周围的</a:t>
             </a:r>
             <a:r>
               <a:rPr lang="en-US" altLang="zh-CN" dirty="0" smtClean="0"/>
@@ -5598,11 +5607,7 @@
           <a:p>
             <a:r>
               <a:rPr lang="zh-CN" altLang="en-US" dirty="0" smtClean="0"/>
-              <a:t>只要</a:t>
-            </a:r>
-            <a:r>
-              <a:rPr lang="zh-CN" altLang="en-US" dirty="0" smtClean="0"/>
-              <a:t>在触发来的时候有信号输入，就能够被记录下来</a:t>
+              <a:t>只要在触发来的时候有信号输入，就能够被记录下来</a:t>
             </a:r>
             <a:endParaRPr lang="en-US" altLang="zh-CN" dirty="0" smtClean="0"/>
           </a:p>
@@ -5613,11 +5618,7 @@
             </a:r>
             <a:r>
               <a:rPr lang="zh-CN" altLang="en-US" smtClean="0"/>
-              <a:t>太</a:t>
-            </a:r>
-            <a:r>
-              <a:rPr lang="zh-CN" altLang="en-US" smtClean="0"/>
-              <a:t>大</a:t>
+              <a:t>太大</a:t>
             </a:r>
             <a:endParaRPr lang="en-US" altLang="zh-CN" dirty="0" smtClean="0"/>
           </a:p>
@@ -5653,15 +5654,7 @@
             <a:pPr lvl="1"/>
             <a:r>
               <a:rPr lang="zh-CN" altLang="en-US" dirty="0" smtClean="0"/>
-              <a:t>如果没有小一点的</a:t>
-            </a:r>
-            <a:r>
-              <a:rPr lang="zh-CN" altLang="en-US" dirty="0" smtClean="0"/>
-              <a:t>闪烁体，可不可以</a:t>
-            </a:r>
-            <a:r>
-              <a:rPr lang="zh-CN" altLang="en-US" dirty="0" smtClean="0"/>
-              <a:t>通过计算的办法将探测效率修正回去</a:t>
+              <a:t>如果没有小一点的闪烁体，可不可以通过计算的办法将探测效率修正回去</a:t>
             </a:r>
             <a:endParaRPr lang="en-US" altLang="zh-CN" dirty="0" smtClean="0"/>
           </a:p>
@@ -5706,6 +5699,263 @@
     <p:extLst>
       <p:ext uri="{BB962C8B-B14F-4D97-AF65-F5344CB8AC3E}">
         <p14:creationId xmlns:p14="http://schemas.microsoft.com/office/powerpoint/2010/main" val="432751243"/>
+      </p:ext>
+    </p:extLst>
+  </p:cSld>
+  <p:clrMapOvr>
+    <a:masterClrMapping/>
+  </p:clrMapOvr>
+</p:sld>
+</file>
+
+<file path=ppt/slides/slide9.xml><?xml version="1.0" encoding="utf-8"?>
+<p:sld xmlns:a="http://schemas.openxmlformats.org/drawingml/2006/main" xmlns:r="http://schemas.openxmlformats.org/officeDocument/2006/relationships" xmlns:p="http://schemas.openxmlformats.org/presentationml/2006/main">
+  <p:cSld>
+    <p:spTree>
+      <p:nvGrpSpPr>
+        <p:cNvPr id="1" name=""/>
+        <p:cNvGrpSpPr/>
+        <p:nvPr/>
+      </p:nvGrpSpPr>
+      <p:grpSpPr>
+        <a:xfrm>
+          <a:off x="0" y="0"/>
+          <a:ext cx="0" cy="0"/>
+          <a:chOff x="0" y="0"/>
+          <a:chExt cx="0" cy="0"/>
+        </a:xfrm>
+      </p:grpSpPr>
+      <p:sp>
+        <p:nvSpPr>
+          <p:cNvPr id="2" name="标题 1"/>
+          <p:cNvSpPr>
+            <a:spLocks noGrp="1"/>
+          </p:cNvSpPr>
+          <p:nvPr>
+            <p:ph type="title"/>
+          </p:nvPr>
+        </p:nvSpPr>
+        <p:spPr/>
+        <p:txBody>
+          <a:bodyPr/>
+          <a:lstStyle/>
+          <a:p>
+            <a:r>
+              <a:rPr lang="en-US" altLang="zh-CN" dirty="0" smtClean="0"/>
+              <a:t> </a:t>
+            </a:r>
+            <a:r>
+              <a:rPr lang="zh-CN" altLang="en-US" dirty="0" smtClean="0"/>
+              <a:t>重新选择区域测试</a:t>
+            </a:r>
+            <a:endParaRPr lang="zh-CN" altLang="en-US" dirty="0"/>
+          </a:p>
+        </p:txBody>
+      </p:sp>
+      <p:sp>
+        <p:nvSpPr>
+          <p:cNvPr id="3" name="内容占位符 2"/>
+          <p:cNvSpPr>
+            <a:spLocks noGrp="1"/>
+          </p:cNvSpPr>
+          <p:nvPr>
+            <p:ph idx="1"/>
+          </p:nvPr>
+        </p:nvSpPr>
+        <p:spPr/>
+        <p:txBody>
+          <a:bodyPr/>
+          <a:lstStyle/>
+          <a:p>
+            <a:r>
+              <a:rPr lang="zh-CN" altLang="en-US" dirty="0" smtClean="0"/>
+              <a:t>选择</a:t>
+            </a:r>
+            <a:r>
+              <a:rPr lang="en-US" altLang="zh-CN" dirty="0" smtClean="0"/>
+              <a:t>4</a:t>
+            </a:r>
+            <a:r>
+              <a:rPr lang="zh-CN" altLang="en-US" dirty="0" smtClean="0"/>
+              <a:t>个区域一起测</a:t>
+            </a:r>
+            <a:endParaRPr lang="en-US" altLang="zh-CN" dirty="0" smtClean="0"/>
+          </a:p>
+          <a:p>
+            <a:pPr lvl="1"/>
+            <a:endParaRPr lang="zh-CN" altLang="en-US" dirty="0"/>
+          </a:p>
+        </p:txBody>
+      </p:sp>
+      <p:grpSp>
+        <p:nvGrpSpPr>
+          <p:cNvPr id="6" name="组合 5"/>
+          <p:cNvGrpSpPr/>
+          <p:nvPr/>
+        </p:nvGrpSpPr>
+        <p:grpSpPr>
+          <a:xfrm>
+            <a:off x="4885764" y="1978708"/>
+            <a:ext cx="3675530" cy="3581900"/>
+            <a:chOff x="3917576" y="1960779"/>
+            <a:chExt cx="3675530" cy="3581900"/>
+          </a:xfrm>
+        </p:grpSpPr>
+        <p:pic>
+          <p:nvPicPr>
+            <p:cNvPr id="4" name="图片 3"/>
+            <p:cNvPicPr>
+              <a:picLocks noChangeAspect="1"/>
+            </p:cNvPicPr>
+            <p:nvPr/>
+          </p:nvPicPr>
+          <p:blipFill rotWithShape="1">
+            <a:blip r:embed="rId2">
+              <a:extLst>
+                <a:ext uri="{28A0092B-C50C-407E-A947-70E740481C1C}">
+                  <a14:useLocalDpi xmlns:a14="http://schemas.microsoft.com/office/drawing/2010/main" val="0"/>
+                </a:ext>
+              </a:extLst>
+            </a:blip>
+            <a:srcRect l="12508" r="10633"/>
+            <a:stretch/>
+          </p:blipFill>
+          <p:spPr>
+            <a:xfrm>
+              <a:off x="3917576" y="1960779"/>
+              <a:ext cx="3675530" cy="3581900"/>
+            </a:xfrm>
+            <a:prstGeom prst="rect">
+              <a:avLst/>
+            </a:prstGeom>
+          </p:spPr>
+        </p:pic>
+        <p:sp>
+          <p:nvSpPr>
+            <p:cNvPr id="5" name="矩形 4"/>
+            <p:cNvSpPr/>
+            <p:nvPr/>
+          </p:nvSpPr>
+          <p:spPr>
+            <a:xfrm>
+              <a:off x="5755341" y="2328863"/>
+              <a:ext cx="1459847" cy="1495425"/>
+            </a:xfrm>
+            <a:prstGeom prst="rect">
+              <a:avLst/>
+            </a:prstGeom>
+            <a:noFill/>
+            <a:ln w="57150">
+              <a:solidFill>
+                <a:srgbClr val="FF0000"/>
+              </a:solidFill>
+            </a:ln>
+          </p:spPr>
+          <p:style>
+            <a:lnRef idx="2">
+              <a:schemeClr val="accent1">
+                <a:shade val="50000"/>
+              </a:schemeClr>
+            </a:lnRef>
+            <a:fillRef idx="1">
+              <a:schemeClr val="accent1"/>
+            </a:fillRef>
+            <a:effectRef idx="0">
+              <a:schemeClr val="accent1"/>
+            </a:effectRef>
+            <a:fontRef idx="minor">
+              <a:schemeClr val="lt1"/>
+            </a:fontRef>
+          </p:style>
+          <p:txBody>
+            <a:bodyPr rtlCol="0" anchor="ctr"/>
+            <a:lstStyle/>
+            <a:p>
+              <a:pPr algn="ctr"/>
+              <a:endParaRPr lang="zh-CN" altLang="en-US"/>
+            </a:p>
+          </p:txBody>
+        </p:sp>
+      </p:grpSp>
+      <p:cxnSp>
+        <p:nvCxnSpPr>
+          <p:cNvPr id="8" name="直接箭头连接符 7"/>
+          <p:cNvCxnSpPr/>
+          <p:nvPr/>
+        </p:nvCxnSpPr>
+        <p:spPr>
+          <a:xfrm>
+            <a:off x="6762750" y="2586038"/>
+            <a:ext cx="1395413" cy="0"/>
+          </a:xfrm>
+          <a:prstGeom prst="straightConnector1">
+            <a:avLst/>
+          </a:prstGeom>
+          <a:ln>
+            <a:solidFill>
+              <a:srgbClr val="FF0000"/>
+            </a:solidFill>
+            <a:headEnd type="triangle"/>
+            <a:tailEnd type="triangle"/>
+          </a:ln>
+        </p:spPr>
+        <p:style>
+          <a:lnRef idx="1">
+            <a:schemeClr val="accent1"/>
+          </a:lnRef>
+          <a:fillRef idx="0">
+            <a:schemeClr val="accent1"/>
+          </a:fillRef>
+          <a:effectRef idx="0">
+            <a:schemeClr val="accent1"/>
+          </a:effectRef>
+          <a:fontRef idx="minor">
+            <a:schemeClr val="tx1"/>
+          </a:fontRef>
+        </p:style>
+      </p:cxnSp>
+      <p:sp>
+        <p:nvSpPr>
+          <p:cNvPr id="9" name="文本框 8"/>
+          <p:cNvSpPr txBox="1"/>
+          <p:nvPr/>
+        </p:nvSpPr>
+        <p:spPr>
+          <a:xfrm>
+            <a:off x="7103035" y="2509837"/>
+            <a:ext cx="700833" cy="369332"/>
+          </a:xfrm>
+          <a:prstGeom prst="rect">
+            <a:avLst/>
+          </a:prstGeom>
+          <a:noFill/>
+        </p:spPr>
+        <p:txBody>
+          <a:bodyPr wrap="none" rtlCol="0">
+            <a:spAutoFit/>
+          </a:bodyPr>
+          <a:lstStyle/>
+          <a:p>
+            <a:r>
+              <a:rPr lang="en-US" altLang="zh-CN" dirty="0" smtClean="0">
+                <a:solidFill>
+                  <a:srgbClr val="FF0000"/>
+                </a:solidFill>
+              </a:rPr>
+              <a:t>15cm</a:t>
+            </a:r>
+            <a:endParaRPr lang="zh-CN" altLang="en-US" dirty="0">
+              <a:solidFill>
+                <a:srgbClr val="FF0000"/>
+              </a:solidFill>
+            </a:endParaRPr>
+          </a:p>
+        </p:txBody>
+      </p:sp>
+    </p:spTree>
+    <p:extLst>
+      <p:ext uri="{BB962C8B-B14F-4D97-AF65-F5344CB8AC3E}">
+        <p14:creationId xmlns:p14="http://schemas.microsoft.com/office/powerpoint/2010/main" val="2994394228"/>
       </p:ext>
     </p:extLst>
   </p:cSld>
